--- a/slides/CloudScale.pptx
+++ b/slides/CloudScale.pptx
@@ -165,6 +165,36 @@
       </a:defRPr>
     </a:lvl9pPr>
   </p:defaultTextStyle>
+  <p:extLst>
+    <p:ext uri="{EFAFB233-063F-42B5-8137-9DF3F51BA10A}">
+      <p15:sldGuideLst xmlns:p15="http://schemas.microsoft.com/office/powerpoint/2012/main">
+        <p15:guide id="1" orient="horz" pos="2160">
+          <p15:clr>
+            <a:srgbClr val="A4A3A4"/>
+          </p15:clr>
+        </p15:guide>
+        <p15:guide id="2" pos="2880">
+          <p15:clr>
+            <a:srgbClr val="A4A3A4"/>
+          </p15:clr>
+        </p15:guide>
+      </p15:sldGuideLst>
+    </p:ext>
+    <p:ext uri="{2D200454-40CA-4A62-9FC3-DE9A4176ACB9}">
+      <p15:notesGuideLst xmlns:p15="http://schemas.microsoft.com/office/powerpoint/2012/main">
+        <p15:guide id="1" orient="horz" pos="2304">
+          <p15:clr>
+            <a:srgbClr val="A4A3A4"/>
+          </p15:clr>
+        </p15:guide>
+        <p15:guide id="2" pos="3024">
+          <p15:clr>
+            <a:srgbClr val="A4A3A4"/>
+          </p15:clr>
+        </p15:guide>
+      </p15:notesGuideLst>
+    </p:ext>
+  </p:extLst>
 </p:presentation>
 </file>
 
@@ -248,7 +278,7 @@
               <a:pPr>
                 <a:defRPr/>
               </a:pPr>
-              <a:t>10/25/2012 3:38 PM</a:t>
+              <a:t>3/16/2013 10:15 AM</a:t>
             </a:fld>
             <a:endParaRPr lang="en-US"/>
           </a:p>
@@ -463,7 +493,7 @@
               <a:pPr>
                 <a:defRPr/>
               </a:pPr>
-              <a:t>10/25/2012 3:38 PM</a:t>
+              <a:t>3/16/2013 10:15 AM</a:t>
             </a:fld>
             <a:endParaRPr lang="en-US"/>
           </a:p>
@@ -868,7 +898,7 @@
             <a:fld id="{645EDAD1-88E4-4536-AD95-0BFD82EC77E6}" type="datetime8">
               <a:rPr lang="en-US" smtClean="0"/>
               <a:pPr/>
-              <a:t>10/25/2012 3:39 PM</a:t>
+              <a:t>3/16/2013 10:15 AM</a:t>
             </a:fld>
             <a:endParaRPr lang="en-US" smtClean="0"/>
           </a:p>
@@ -919,6 +949,11 @@
         </p:spPr>
       </p:sp>
     </p:spTree>
+    <p:extLst>
+      <p:ext uri="{BB962C8B-B14F-4D97-AF65-F5344CB8AC3E}">
+        <p14:creationId xmlns:p14="http://schemas.microsoft.com/office/powerpoint/2010/main" val="1344907076"/>
+      </p:ext>
+    </p:extLst>
   </p:cSld>
   <p:clrMapOvr>
     <a:masterClrMapping/>
@@ -7191,7 +7226,6 @@
               <a:rPr lang="en-US" dirty="0" smtClean="0"/>
               <a:t>How?</a:t>
             </a:r>
-            <a:endParaRPr lang="en-US" dirty="0" smtClean="0"/>
           </a:p>
         </p:txBody>
       </p:sp>
@@ -7330,13 +7364,8 @@
           <a:p>
             <a:r>
               <a:rPr lang="en-US" dirty="0" smtClean="0"/>
-              <a:t>http://</a:t>
-            </a:r>
-            <a:r>
-              <a:rPr lang="en-US" dirty="0" smtClean="0"/>
-              <a:t>github.com/lozanotek/cloudscale</a:t>
-            </a:r>
-            <a:endParaRPr lang="en-US" dirty="0" smtClean="0"/>
+              <a:t>http://github.com/lozanotek/cloudscale</a:t>
+            </a:r>
           </a:p>
         </p:txBody>
       </p:sp>
@@ -7440,7 +7469,7 @@
         <p:spPr>
           <a:xfrm>
             <a:off x="381002" y="1417638"/>
-            <a:ext cx="8410575" cy="2677656"/>
+            <a:ext cx="8410575" cy="3120854"/>
           </a:xfrm>
         </p:spPr>
         <p:txBody>
@@ -7449,8 +7478,17 @@
           <a:p>
             <a:r>
               <a:rPr lang="en-US" dirty="0" smtClean="0"/>
-              <a:t>Increased interest on the conference</a:t>
-            </a:r>
+              <a:t>Increased interest on the </a:t>
+            </a:r>
+            <a:r>
+              <a:rPr lang="en-US" dirty="0" smtClean="0"/>
+              <a:t>conference, </a:t>
+            </a:r>
+            <a:r>
+              <a:rPr lang="en-US" dirty="0" err="1" smtClean="0"/>
+              <a:t>aspConf</a:t>
+            </a:r>
+            <a:endParaRPr lang="en-US" dirty="0" smtClean="0"/>
           </a:p>
           <a:p>
             <a:pPr lvl="1"/>
@@ -7480,7 +7518,11 @@
             <a:pPr lvl="1"/>
             <a:r>
               <a:rPr lang="en-US" dirty="0" smtClean="0"/>
-              <a:t>Year 3 – 8,000 </a:t>
+              <a:t>Year 3 – </a:t>
+            </a:r>
+            <a:r>
+              <a:rPr lang="en-US" dirty="0" smtClean="0"/>
+              <a:t>8,000+ </a:t>
             </a:r>
             <a:r>
               <a:rPr lang="en-US" dirty="0" err="1" smtClean="0"/>
@@ -7631,8 +7673,17 @@
             <a:pPr lvl="1"/>
             <a:r>
               <a:rPr lang="en-US" dirty="0" smtClean="0"/>
-              <a:t>Serving too much content from one source</a:t>
-            </a:r>
+              <a:t>Serving too much content from </a:t>
+            </a:r>
+            <a:r>
+              <a:rPr lang="en-US" smtClean="0"/>
+              <a:t>one </a:t>
+            </a:r>
+            <a:r>
+              <a:rPr lang="en-US" smtClean="0"/>
+              <a:t>source</a:t>
+            </a:r>
+            <a:endParaRPr lang="en-US" dirty="0" smtClean="0"/>
           </a:p>
           <a:p>
             <a:pPr marL="0" indent="0">

--- a/slides/CloudScale.pptx
+++ b/slides/CloudScale.pptx
@@ -198,6 +198,923 @@
 </p:presentation>
 </file>
 
+<file path=ppt/charts/chart1.xml><?xml version="1.0" encoding="utf-8"?>
+<c:chartSpace xmlns:c="http://schemas.openxmlformats.org/drawingml/2006/chart" xmlns:a="http://schemas.openxmlformats.org/drawingml/2006/main" xmlns:r="http://schemas.openxmlformats.org/officeDocument/2006/relationships">
+  <c:date1904 val="0"/>
+  <c:lang val="en-US"/>
+  <c:roundedCorners val="0"/>
+  <mc:AlternateContent xmlns:mc="http://schemas.openxmlformats.org/markup-compatibility/2006">
+    <mc:Choice xmlns:c14="http://schemas.microsoft.com/office/drawing/2007/8/2/chart" Requires="c14">
+      <c14:style val="102"/>
+    </mc:Choice>
+    <mc:Fallback>
+      <c:style val="2"/>
+    </mc:Fallback>
+  </mc:AlternateContent>
+  <c:chart>
+    <c:title>
+      <c:tx>
+        <c:rich>
+          <a:bodyPr rot="0" spcFirstLastPara="1" vertOverflow="ellipsis" vert="horz" wrap="square" anchor="ctr" anchorCtr="1"/>
+          <a:lstStyle/>
+          <a:p>
+            <a:pPr>
+              <a:defRPr sz="1862" b="0" i="0" u="none" strike="noStrike" kern="1200" spc="0" baseline="0">
+                <a:solidFill>
+                  <a:schemeClr val="tx1">
+                    <a:lumMod val="65000"/>
+                    <a:lumOff val="35000"/>
+                  </a:schemeClr>
+                </a:solidFill>
+                <a:latin typeface="+mn-lt"/>
+                <a:ea typeface="+mn-ea"/>
+                <a:cs typeface="+mn-cs"/>
+              </a:defRPr>
+            </a:pPr>
+            <a:r>
+              <a:rPr lang="en-US" dirty="0" smtClean="0"/>
+              <a:t>Attendees</a:t>
+            </a:r>
+            <a:endParaRPr lang="en-US" dirty="0"/>
+          </a:p>
+        </c:rich>
+      </c:tx>
+      <c:layout/>
+      <c:overlay val="0"/>
+      <c:spPr>
+        <a:noFill/>
+        <a:ln>
+          <a:noFill/>
+        </a:ln>
+        <a:effectLst/>
+      </c:spPr>
+      <c:txPr>
+        <a:bodyPr rot="0" spcFirstLastPara="1" vertOverflow="ellipsis" vert="horz" wrap="square" anchor="ctr" anchorCtr="1"/>
+        <a:lstStyle/>
+        <a:p>
+          <a:pPr>
+            <a:defRPr sz="1862" b="0" i="0" u="none" strike="noStrike" kern="1200" spc="0" baseline="0">
+              <a:solidFill>
+                <a:schemeClr val="tx1">
+                  <a:lumMod val="65000"/>
+                  <a:lumOff val="35000"/>
+                </a:schemeClr>
+              </a:solidFill>
+              <a:latin typeface="+mn-lt"/>
+              <a:ea typeface="+mn-ea"/>
+              <a:cs typeface="+mn-cs"/>
+            </a:defRPr>
+          </a:pPr>
+          <a:endParaRPr lang="en-US"/>
+        </a:p>
+      </c:txPr>
+    </c:title>
+    <c:autoTitleDeleted val="0"/>
+    <c:plotArea>
+      <c:layout/>
+      <c:lineChart>
+        <c:grouping val="standard"/>
+        <c:varyColors val="0"/>
+        <c:ser>
+          <c:idx val="0"/>
+          <c:order val="0"/>
+          <c:tx>
+            <c:strRef>
+              <c:f>Sheet1!$B$1</c:f>
+              <c:strCache>
+                <c:ptCount val="1"/>
+                <c:pt idx="0">
+                  <c:v>Series 1</c:v>
+                </c:pt>
+              </c:strCache>
+            </c:strRef>
+          </c:tx>
+          <c:spPr>
+            <a:ln w="28575" cap="rnd">
+              <a:solidFill>
+                <a:schemeClr val="accent1"/>
+              </a:solidFill>
+              <a:round/>
+            </a:ln>
+            <a:effectLst/>
+          </c:spPr>
+          <c:marker>
+            <c:symbol val="none"/>
+          </c:marker>
+          <c:dLbls>
+            <c:spPr>
+              <a:noFill/>
+              <a:ln>
+                <a:noFill/>
+              </a:ln>
+              <a:effectLst/>
+            </c:spPr>
+            <c:txPr>
+              <a:bodyPr rot="0" spcFirstLastPara="1" vertOverflow="ellipsis" vert="horz" wrap="square" lIns="38100" tIns="19050" rIns="38100" bIns="19050" anchor="ctr" anchorCtr="1">
+                <a:spAutoFit/>
+              </a:bodyPr>
+              <a:lstStyle/>
+              <a:p>
+                <a:pPr>
+                  <a:defRPr sz="1197" b="0" i="0" u="none" strike="noStrike" kern="1200" baseline="0">
+                    <a:solidFill>
+                      <a:schemeClr val="tx1">
+                        <a:lumMod val="75000"/>
+                        <a:lumOff val="25000"/>
+                      </a:schemeClr>
+                    </a:solidFill>
+                    <a:latin typeface="+mn-lt"/>
+                    <a:ea typeface="+mn-ea"/>
+                    <a:cs typeface="+mn-cs"/>
+                  </a:defRPr>
+                </a:pPr>
+                <a:endParaRPr lang="en-US"/>
+              </a:p>
+            </c:txPr>
+            <c:dLblPos val="ctr"/>
+            <c:showLegendKey val="0"/>
+            <c:showVal val="1"/>
+            <c:showCatName val="0"/>
+            <c:showSerName val="0"/>
+            <c:showPercent val="0"/>
+            <c:showBubbleSize val="0"/>
+            <c:showLeaderLines val="0"/>
+            <c:extLst>
+              <c:ext xmlns:c15="http://schemas.microsoft.com/office/drawing/2012/chart" uri="{CE6537A1-D6FC-4f65-9D91-7224C49458BB}">
+                <c15:layout/>
+                <c15:showLeaderLines val="1"/>
+                <c15:leaderLines>
+                  <c:spPr>
+                    <a:ln w="9525" cap="flat" cmpd="sng" algn="ctr">
+                      <a:solidFill>
+                        <a:schemeClr val="tx1">
+                          <a:lumMod val="35000"/>
+                          <a:lumOff val="65000"/>
+                        </a:schemeClr>
+                      </a:solidFill>
+                      <a:round/>
+                    </a:ln>
+                    <a:effectLst/>
+                  </c:spPr>
+                </c15:leaderLines>
+              </c:ext>
+            </c:extLst>
+          </c:dLbls>
+          <c:cat>
+            <c:numRef>
+              <c:f>Sheet1!$A$2:$A$5</c:f>
+              <c:numCache>
+                <c:formatCode>General</c:formatCode>
+                <c:ptCount val="4"/>
+                <c:pt idx="0">
+                  <c:v>2010</c:v>
+                </c:pt>
+                <c:pt idx="1">
+                  <c:v>2011</c:v>
+                </c:pt>
+                <c:pt idx="2">
+                  <c:v>2012</c:v>
+                </c:pt>
+                <c:pt idx="3">
+                  <c:v>2013</c:v>
+                </c:pt>
+              </c:numCache>
+            </c:numRef>
+          </c:cat>
+          <c:val>
+            <c:numRef>
+              <c:f>Sheet1!$B$2:$B$5</c:f>
+              <c:numCache>
+                <c:formatCode>#,##0</c:formatCode>
+                <c:ptCount val="4"/>
+                <c:pt idx="0">
+                  <c:v>1500</c:v>
+                </c:pt>
+                <c:pt idx="1">
+                  <c:v>3000</c:v>
+                </c:pt>
+                <c:pt idx="2">
+                  <c:v>8500</c:v>
+                </c:pt>
+                <c:pt idx="3">
+                  <c:v>11250</c:v>
+                </c:pt>
+              </c:numCache>
+            </c:numRef>
+          </c:val>
+          <c:smooth val="0"/>
+        </c:ser>
+        <c:dLbls>
+          <c:dLblPos val="ctr"/>
+          <c:showLegendKey val="0"/>
+          <c:showVal val="1"/>
+          <c:showCatName val="0"/>
+          <c:showSerName val="0"/>
+          <c:showPercent val="0"/>
+          <c:showBubbleSize val="0"/>
+        </c:dLbls>
+        <c:smooth val="0"/>
+        <c:axId val="1122110000"/>
+        <c:axId val="1122118160"/>
+      </c:lineChart>
+      <c:catAx>
+        <c:axId val="1122110000"/>
+        <c:scaling>
+          <c:orientation val="minMax"/>
+        </c:scaling>
+        <c:delete val="0"/>
+        <c:axPos val="b"/>
+        <c:numFmt formatCode="General" sourceLinked="1"/>
+        <c:majorTickMark val="none"/>
+        <c:minorTickMark val="none"/>
+        <c:tickLblPos val="nextTo"/>
+        <c:spPr>
+          <a:noFill/>
+          <a:ln w="9525" cap="flat" cmpd="sng" algn="ctr">
+            <a:solidFill>
+              <a:schemeClr val="tx1">
+                <a:lumMod val="15000"/>
+                <a:lumOff val="85000"/>
+              </a:schemeClr>
+            </a:solidFill>
+            <a:round/>
+          </a:ln>
+          <a:effectLst/>
+        </c:spPr>
+        <c:txPr>
+          <a:bodyPr rot="-60000000" spcFirstLastPara="1" vertOverflow="ellipsis" vert="horz" wrap="square" anchor="ctr" anchorCtr="1"/>
+          <a:lstStyle/>
+          <a:p>
+            <a:pPr>
+              <a:defRPr sz="1197" b="0" i="0" u="none" strike="noStrike" kern="1200" baseline="0">
+                <a:solidFill>
+                  <a:schemeClr val="tx1">
+                    <a:lumMod val="65000"/>
+                    <a:lumOff val="35000"/>
+                  </a:schemeClr>
+                </a:solidFill>
+                <a:latin typeface="+mn-lt"/>
+                <a:ea typeface="+mn-ea"/>
+                <a:cs typeface="+mn-cs"/>
+              </a:defRPr>
+            </a:pPr>
+            <a:endParaRPr lang="en-US"/>
+          </a:p>
+        </c:txPr>
+        <c:crossAx val="1122118160"/>
+        <c:crosses val="autoZero"/>
+        <c:auto val="1"/>
+        <c:lblAlgn val="ctr"/>
+        <c:lblOffset val="100"/>
+        <c:noMultiLvlLbl val="0"/>
+      </c:catAx>
+      <c:valAx>
+        <c:axId val="1122118160"/>
+        <c:scaling>
+          <c:orientation val="minMax"/>
+        </c:scaling>
+        <c:delete val="0"/>
+        <c:axPos val="l"/>
+        <c:majorGridlines>
+          <c:spPr>
+            <a:ln w="9525" cap="flat" cmpd="sng" algn="ctr">
+              <a:solidFill>
+                <a:schemeClr val="tx1">
+                  <a:lumMod val="15000"/>
+                  <a:lumOff val="85000"/>
+                </a:schemeClr>
+              </a:solidFill>
+              <a:round/>
+            </a:ln>
+            <a:effectLst/>
+          </c:spPr>
+        </c:majorGridlines>
+        <c:numFmt formatCode="#,##0" sourceLinked="1"/>
+        <c:majorTickMark val="none"/>
+        <c:minorTickMark val="none"/>
+        <c:tickLblPos val="nextTo"/>
+        <c:spPr>
+          <a:noFill/>
+          <a:ln>
+            <a:noFill/>
+          </a:ln>
+          <a:effectLst/>
+        </c:spPr>
+        <c:txPr>
+          <a:bodyPr rot="-60000000" spcFirstLastPara="1" vertOverflow="ellipsis" vert="horz" wrap="square" anchor="ctr" anchorCtr="1"/>
+          <a:lstStyle/>
+          <a:p>
+            <a:pPr>
+              <a:defRPr sz="1197" b="0" i="0" u="none" strike="noStrike" kern="1200" baseline="0">
+                <a:solidFill>
+                  <a:schemeClr val="tx1">
+                    <a:lumMod val="65000"/>
+                    <a:lumOff val="35000"/>
+                  </a:schemeClr>
+                </a:solidFill>
+                <a:latin typeface="+mn-lt"/>
+                <a:ea typeface="+mn-ea"/>
+                <a:cs typeface="+mn-cs"/>
+              </a:defRPr>
+            </a:pPr>
+            <a:endParaRPr lang="en-US"/>
+          </a:p>
+        </c:txPr>
+        <c:crossAx val="1122110000"/>
+        <c:crosses val="autoZero"/>
+        <c:crossBetween val="between"/>
+      </c:valAx>
+      <c:spPr>
+        <a:noFill/>
+        <a:ln>
+          <a:noFill/>
+        </a:ln>
+        <a:effectLst/>
+      </c:spPr>
+    </c:plotArea>
+    <c:plotVisOnly val="1"/>
+    <c:dispBlanksAs val="gap"/>
+    <c:showDLblsOverMax val="0"/>
+  </c:chart>
+  <c:spPr>
+    <a:noFill/>
+    <a:ln>
+      <a:noFill/>
+    </a:ln>
+    <a:effectLst/>
+  </c:spPr>
+  <c:txPr>
+    <a:bodyPr/>
+    <a:lstStyle/>
+    <a:p>
+      <a:pPr>
+        <a:defRPr/>
+      </a:pPr>
+      <a:endParaRPr lang="en-US"/>
+    </a:p>
+  </c:txPr>
+  <c:externalData r:id="rId3">
+    <c:autoUpdate val="0"/>
+  </c:externalData>
+</c:chartSpace>
+</file>
+
+<file path=ppt/charts/colors1.xml><?xml version="1.0" encoding="utf-8"?>
+<cs:colorStyle xmlns:cs="http://schemas.microsoft.com/office/drawing/2012/chartStyle" xmlns:a="http://schemas.openxmlformats.org/drawingml/2006/main" meth="cycle" id="10">
+  <a:schemeClr val="accent1"/>
+  <a:schemeClr val="accent2"/>
+  <a:schemeClr val="accent3"/>
+  <a:schemeClr val="accent4"/>
+  <a:schemeClr val="accent5"/>
+  <a:schemeClr val="accent6"/>
+  <cs:variation/>
+  <cs:variation>
+    <a:lumMod val="60000"/>
+  </cs:variation>
+  <cs:variation>
+    <a:lumMod val="80000"/>
+    <a:lumOff val="20000"/>
+  </cs:variation>
+  <cs:variation>
+    <a:lumMod val="80000"/>
+  </cs:variation>
+  <cs:variation>
+    <a:lumMod val="60000"/>
+    <a:lumOff val="40000"/>
+  </cs:variation>
+  <cs:variation>
+    <a:lumMod val="50000"/>
+  </cs:variation>
+  <cs:variation>
+    <a:lumMod val="70000"/>
+    <a:lumOff val="30000"/>
+  </cs:variation>
+  <cs:variation>
+    <a:lumMod val="70000"/>
+  </cs:variation>
+  <cs:variation>
+    <a:lumMod val="50000"/>
+    <a:lumOff val="50000"/>
+  </cs:variation>
+</cs:colorStyle>
+</file>
+
+<file path=ppt/charts/style1.xml><?xml version="1.0" encoding="utf-8"?>
+<cs:chartStyle xmlns:cs="http://schemas.microsoft.com/office/drawing/2012/chartStyle" xmlns:a="http://schemas.openxmlformats.org/drawingml/2006/main" id="227">
+  <cs:axisTitle>
+    <cs:lnRef idx="0"/>
+    <cs:fillRef idx="0"/>
+    <cs:effectRef idx="0"/>
+    <cs:fontRef idx="minor">
+      <a:schemeClr val="tx1">
+        <a:lumMod val="65000"/>
+        <a:lumOff val="35000"/>
+      </a:schemeClr>
+    </cs:fontRef>
+    <cs:defRPr sz="1330" kern="1200"/>
+  </cs:axisTitle>
+  <cs:categoryAxis>
+    <cs:lnRef idx="0"/>
+    <cs:fillRef idx="0"/>
+    <cs:effectRef idx="0"/>
+    <cs:fontRef idx="minor">
+      <a:schemeClr val="tx1">
+        <a:lumMod val="65000"/>
+        <a:lumOff val="35000"/>
+      </a:schemeClr>
+    </cs:fontRef>
+    <cs:spPr>
+      <a:ln w="9525" cap="flat" cmpd="sng" algn="ctr">
+        <a:solidFill>
+          <a:schemeClr val="tx1">
+            <a:lumMod val="15000"/>
+            <a:lumOff val="85000"/>
+          </a:schemeClr>
+        </a:solidFill>
+        <a:round/>
+      </a:ln>
+    </cs:spPr>
+    <cs:defRPr sz="1197" kern="1200"/>
+  </cs:categoryAxis>
+  <cs:chartArea mods="allowNoFillOverride allowNoLineOverride">
+    <cs:lnRef idx="0"/>
+    <cs:fillRef idx="0"/>
+    <cs:effectRef idx="0"/>
+    <cs:fontRef idx="minor">
+      <a:schemeClr val="tx1"/>
+    </cs:fontRef>
+    <cs:spPr>
+      <a:solidFill>
+        <a:schemeClr val="bg1"/>
+      </a:solidFill>
+      <a:ln w="9525" cap="flat" cmpd="sng" algn="ctr">
+        <a:solidFill>
+          <a:schemeClr val="tx1">
+            <a:lumMod val="15000"/>
+            <a:lumOff val="85000"/>
+          </a:schemeClr>
+        </a:solidFill>
+        <a:round/>
+      </a:ln>
+    </cs:spPr>
+    <cs:defRPr sz="1330" kern="1200"/>
+  </cs:chartArea>
+  <cs:dataLabel>
+    <cs:lnRef idx="0"/>
+    <cs:fillRef idx="0"/>
+    <cs:effectRef idx="0"/>
+    <cs:fontRef idx="minor">
+      <a:schemeClr val="tx1">
+        <a:lumMod val="75000"/>
+        <a:lumOff val="25000"/>
+      </a:schemeClr>
+    </cs:fontRef>
+    <cs:defRPr sz="1197" kern="1200"/>
+  </cs:dataLabel>
+  <cs:dataLabelCallout>
+    <cs:lnRef idx="0"/>
+    <cs:fillRef idx="0"/>
+    <cs:effectRef idx="0"/>
+    <cs:fontRef idx="minor">
+      <a:schemeClr val="dk1">
+        <a:lumMod val="65000"/>
+        <a:lumOff val="35000"/>
+      </a:schemeClr>
+    </cs:fontRef>
+    <cs:spPr>
+      <a:solidFill>
+        <a:schemeClr val="lt1"/>
+      </a:solidFill>
+      <a:ln>
+        <a:solidFill>
+          <a:schemeClr val="dk1">
+            <a:lumMod val="25000"/>
+            <a:lumOff val="75000"/>
+          </a:schemeClr>
+        </a:solidFill>
+      </a:ln>
+    </cs:spPr>
+    <cs:defRPr sz="1197" kern="1200"/>
+    <cs:bodyPr rot="0" spcFirstLastPara="1" vertOverflow="clip" horzOverflow="clip" vert="horz" wrap="square" lIns="36576" tIns="18288" rIns="36576" bIns="18288" anchor="ctr" anchorCtr="1">
+      <a:spAutoFit/>
+    </cs:bodyPr>
+  </cs:dataLabelCallout>
+  <cs:dataPoint>
+    <cs:lnRef idx="0"/>
+    <cs:fillRef idx="1">
+      <cs:styleClr val="auto"/>
+    </cs:fillRef>
+    <cs:effectRef idx="0"/>
+    <cs:fontRef idx="minor">
+      <a:schemeClr val="tx1"/>
+    </cs:fontRef>
+    <cs:spPr>
+      <a:solidFill>
+        <a:schemeClr val="phClr"/>
+      </a:solidFill>
+    </cs:spPr>
+  </cs:dataPoint>
+  <cs:dataPoint3D>
+    <cs:lnRef idx="0"/>
+    <cs:fillRef idx="1">
+      <cs:styleClr val="auto"/>
+    </cs:fillRef>
+    <cs:effectRef idx="0"/>
+    <cs:fontRef idx="minor">
+      <a:schemeClr val="tx1"/>
+    </cs:fontRef>
+    <cs:spPr>
+      <a:solidFill>
+        <a:schemeClr val="phClr"/>
+      </a:solidFill>
+    </cs:spPr>
+  </cs:dataPoint3D>
+  <cs:dataPointLine>
+    <cs:lnRef idx="0">
+      <cs:styleClr val="auto"/>
+    </cs:lnRef>
+    <cs:fillRef idx="1"/>
+    <cs:effectRef idx="0"/>
+    <cs:fontRef idx="minor">
+      <a:schemeClr val="tx1"/>
+    </cs:fontRef>
+    <cs:spPr>
+      <a:ln w="28575" cap="rnd">
+        <a:solidFill>
+          <a:schemeClr val="phClr"/>
+        </a:solidFill>
+        <a:round/>
+      </a:ln>
+    </cs:spPr>
+  </cs:dataPointLine>
+  <cs:dataPointMarker>
+    <cs:lnRef idx="0">
+      <cs:styleClr val="auto"/>
+    </cs:lnRef>
+    <cs:fillRef idx="1">
+      <cs:styleClr val="auto"/>
+    </cs:fillRef>
+    <cs:effectRef idx="0"/>
+    <cs:fontRef idx="minor">
+      <a:schemeClr val="tx1"/>
+    </cs:fontRef>
+    <cs:spPr>
+      <a:solidFill>
+        <a:schemeClr val="phClr"/>
+      </a:solidFill>
+      <a:ln w="9525">
+        <a:solidFill>
+          <a:schemeClr val="phClr"/>
+        </a:solidFill>
+      </a:ln>
+    </cs:spPr>
+  </cs:dataPointMarker>
+  <cs:dataPointMarkerLayout symbol="circle" size="5"/>
+  <cs:dataPointWireframe>
+    <cs:lnRef idx="0">
+      <cs:styleClr val="auto"/>
+    </cs:lnRef>
+    <cs:fillRef idx="1"/>
+    <cs:effectRef idx="0"/>
+    <cs:fontRef idx="minor">
+      <a:schemeClr val="tx1"/>
+    </cs:fontRef>
+    <cs:spPr>
+      <a:ln w="9525" cap="rnd">
+        <a:solidFill>
+          <a:schemeClr val="phClr"/>
+        </a:solidFill>
+        <a:round/>
+      </a:ln>
+    </cs:spPr>
+  </cs:dataPointWireframe>
+  <cs:dataTable>
+    <cs:lnRef idx="0"/>
+    <cs:fillRef idx="0"/>
+    <cs:effectRef idx="0"/>
+    <cs:fontRef idx="minor">
+      <a:schemeClr val="tx1">
+        <a:lumMod val="65000"/>
+        <a:lumOff val="35000"/>
+      </a:schemeClr>
+    </cs:fontRef>
+    <cs:spPr>
+      <a:noFill/>
+      <a:ln w="9525" cap="flat" cmpd="sng" algn="ctr">
+        <a:solidFill>
+          <a:schemeClr val="tx1">
+            <a:lumMod val="15000"/>
+            <a:lumOff val="85000"/>
+          </a:schemeClr>
+        </a:solidFill>
+        <a:round/>
+      </a:ln>
+    </cs:spPr>
+    <cs:defRPr sz="1197" kern="1200"/>
+  </cs:dataTable>
+  <cs:downBar>
+    <cs:lnRef idx="0"/>
+    <cs:fillRef idx="0"/>
+    <cs:effectRef idx="0"/>
+    <cs:fontRef idx="minor">
+      <a:schemeClr val="dk1"/>
+    </cs:fontRef>
+    <cs:spPr>
+      <a:solidFill>
+        <a:schemeClr val="dk1">
+          <a:lumMod val="65000"/>
+          <a:lumOff val="35000"/>
+        </a:schemeClr>
+      </a:solidFill>
+      <a:ln w="9525">
+        <a:solidFill>
+          <a:schemeClr val="tx1">
+            <a:lumMod val="65000"/>
+            <a:lumOff val="35000"/>
+          </a:schemeClr>
+        </a:solidFill>
+      </a:ln>
+    </cs:spPr>
+  </cs:downBar>
+  <cs:dropLine>
+    <cs:lnRef idx="0"/>
+    <cs:fillRef idx="0"/>
+    <cs:effectRef idx="0"/>
+    <cs:fontRef idx="minor">
+      <a:schemeClr val="tx1"/>
+    </cs:fontRef>
+    <cs:spPr>
+      <a:ln w="9525" cap="flat" cmpd="sng" algn="ctr">
+        <a:solidFill>
+          <a:schemeClr val="tx1">
+            <a:lumMod val="35000"/>
+            <a:lumOff val="65000"/>
+          </a:schemeClr>
+        </a:solidFill>
+        <a:round/>
+      </a:ln>
+    </cs:spPr>
+  </cs:dropLine>
+  <cs:errorBar>
+    <cs:lnRef idx="0"/>
+    <cs:fillRef idx="0"/>
+    <cs:effectRef idx="0"/>
+    <cs:fontRef idx="minor">
+      <a:schemeClr val="tx1"/>
+    </cs:fontRef>
+    <cs:spPr>
+      <a:ln w="9525" cap="flat" cmpd="sng" algn="ctr">
+        <a:solidFill>
+          <a:schemeClr val="tx1">
+            <a:lumMod val="65000"/>
+            <a:lumOff val="35000"/>
+          </a:schemeClr>
+        </a:solidFill>
+        <a:round/>
+      </a:ln>
+    </cs:spPr>
+  </cs:errorBar>
+  <cs:floor>
+    <cs:lnRef idx="0"/>
+    <cs:fillRef idx="0"/>
+    <cs:effectRef idx="0"/>
+    <cs:fontRef idx="minor">
+      <a:schemeClr val="tx1"/>
+    </cs:fontRef>
+    <cs:spPr>
+      <a:noFill/>
+      <a:ln>
+        <a:noFill/>
+      </a:ln>
+    </cs:spPr>
+  </cs:floor>
+  <cs:gridlineMajor>
+    <cs:lnRef idx="0"/>
+    <cs:fillRef idx="0"/>
+    <cs:effectRef idx="0"/>
+    <cs:fontRef idx="minor">
+      <a:schemeClr val="tx1"/>
+    </cs:fontRef>
+    <cs:spPr>
+      <a:ln w="9525" cap="flat" cmpd="sng" algn="ctr">
+        <a:solidFill>
+          <a:schemeClr val="tx1">
+            <a:lumMod val="15000"/>
+            <a:lumOff val="85000"/>
+          </a:schemeClr>
+        </a:solidFill>
+        <a:round/>
+      </a:ln>
+    </cs:spPr>
+  </cs:gridlineMajor>
+  <cs:gridlineMinor>
+    <cs:lnRef idx="0"/>
+    <cs:fillRef idx="0"/>
+    <cs:effectRef idx="0"/>
+    <cs:fontRef idx="minor">
+      <a:schemeClr val="tx1"/>
+    </cs:fontRef>
+    <cs:spPr>
+      <a:ln w="9525" cap="flat" cmpd="sng" algn="ctr">
+        <a:solidFill>
+          <a:schemeClr val="tx1">
+            <a:lumMod val="5000"/>
+            <a:lumOff val="95000"/>
+          </a:schemeClr>
+        </a:solidFill>
+        <a:round/>
+      </a:ln>
+    </cs:spPr>
+  </cs:gridlineMinor>
+  <cs:hiLoLine>
+    <cs:lnRef idx="0"/>
+    <cs:fillRef idx="0"/>
+    <cs:effectRef idx="0"/>
+    <cs:fontRef idx="minor">
+      <a:schemeClr val="tx1"/>
+    </cs:fontRef>
+    <cs:spPr>
+      <a:ln w="9525" cap="flat" cmpd="sng" algn="ctr">
+        <a:solidFill>
+          <a:schemeClr val="tx1">
+            <a:lumMod val="75000"/>
+            <a:lumOff val="25000"/>
+          </a:schemeClr>
+        </a:solidFill>
+        <a:round/>
+      </a:ln>
+    </cs:spPr>
+  </cs:hiLoLine>
+  <cs:leaderLine>
+    <cs:lnRef idx="0"/>
+    <cs:fillRef idx="0"/>
+    <cs:effectRef idx="0"/>
+    <cs:fontRef idx="minor">
+      <a:schemeClr val="tx1"/>
+    </cs:fontRef>
+    <cs:spPr>
+      <a:ln w="9525" cap="flat" cmpd="sng" algn="ctr">
+        <a:solidFill>
+          <a:schemeClr val="tx1">
+            <a:lumMod val="35000"/>
+            <a:lumOff val="65000"/>
+          </a:schemeClr>
+        </a:solidFill>
+        <a:round/>
+      </a:ln>
+    </cs:spPr>
+  </cs:leaderLine>
+  <cs:legend>
+    <cs:lnRef idx="0"/>
+    <cs:fillRef idx="0"/>
+    <cs:effectRef idx="0"/>
+    <cs:fontRef idx="minor">
+      <a:schemeClr val="tx1">
+        <a:lumMod val="65000"/>
+        <a:lumOff val="35000"/>
+      </a:schemeClr>
+    </cs:fontRef>
+    <cs:defRPr sz="1197" kern="1200"/>
+  </cs:legend>
+  <cs:plotArea mods="allowNoFillOverride allowNoLineOverride">
+    <cs:lnRef idx="0"/>
+    <cs:fillRef idx="0"/>
+    <cs:effectRef idx="0"/>
+    <cs:fontRef idx="minor">
+      <a:schemeClr val="tx1"/>
+    </cs:fontRef>
+  </cs:plotArea>
+  <cs:plotArea3D mods="allowNoFillOverride allowNoLineOverride">
+    <cs:lnRef idx="0"/>
+    <cs:fillRef idx="0"/>
+    <cs:effectRef idx="0"/>
+    <cs:fontRef idx="minor">
+      <a:schemeClr val="tx1"/>
+    </cs:fontRef>
+  </cs:plotArea3D>
+  <cs:seriesAxis>
+    <cs:lnRef idx="0"/>
+    <cs:fillRef idx="0"/>
+    <cs:effectRef idx="0"/>
+    <cs:fontRef idx="minor">
+      <a:schemeClr val="tx1">
+        <a:lumMod val="65000"/>
+        <a:lumOff val="35000"/>
+      </a:schemeClr>
+    </cs:fontRef>
+    <cs:defRPr sz="1197" kern="1200"/>
+  </cs:seriesAxis>
+  <cs:seriesLine>
+    <cs:lnRef idx="0"/>
+    <cs:fillRef idx="0"/>
+    <cs:effectRef idx="0"/>
+    <cs:fontRef idx="minor">
+      <a:schemeClr val="tx1"/>
+    </cs:fontRef>
+    <cs:spPr>
+      <a:ln w="9525" cap="flat" cmpd="sng" algn="ctr">
+        <a:solidFill>
+          <a:schemeClr val="tx1">
+            <a:lumMod val="35000"/>
+            <a:lumOff val="65000"/>
+          </a:schemeClr>
+        </a:solidFill>
+        <a:round/>
+      </a:ln>
+    </cs:spPr>
+  </cs:seriesLine>
+  <cs:title>
+    <cs:lnRef idx="0"/>
+    <cs:fillRef idx="0"/>
+    <cs:effectRef idx="0"/>
+    <cs:fontRef idx="minor">
+      <a:schemeClr val="tx1">
+        <a:lumMod val="65000"/>
+        <a:lumOff val="35000"/>
+      </a:schemeClr>
+    </cs:fontRef>
+    <cs:defRPr sz="1862" b="0" kern="1200" spc="0" baseline="0"/>
+  </cs:title>
+  <cs:trendline>
+    <cs:lnRef idx="0">
+      <cs:styleClr val="auto"/>
+    </cs:lnRef>
+    <cs:fillRef idx="0"/>
+    <cs:effectRef idx="0"/>
+    <cs:fontRef idx="minor">
+      <a:schemeClr val="tx1"/>
+    </cs:fontRef>
+    <cs:spPr>
+      <a:ln w="19050" cap="rnd">
+        <a:solidFill>
+          <a:schemeClr val="phClr"/>
+        </a:solidFill>
+        <a:prstDash val="sysDot"/>
+      </a:ln>
+    </cs:spPr>
+  </cs:trendline>
+  <cs:trendlineLabel>
+    <cs:lnRef idx="0"/>
+    <cs:fillRef idx="0"/>
+    <cs:effectRef idx="0"/>
+    <cs:fontRef idx="minor">
+      <a:schemeClr val="tx1">
+        <a:lumMod val="65000"/>
+        <a:lumOff val="35000"/>
+      </a:schemeClr>
+    </cs:fontRef>
+    <cs:defRPr sz="1197" kern="1200"/>
+  </cs:trendlineLabel>
+  <cs:upBar>
+    <cs:lnRef idx="0"/>
+    <cs:fillRef idx="0"/>
+    <cs:effectRef idx="0"/>
+    <cs:fontRef idx="minor">
+      <a:schemeClr val="dk1"/>
+    </cs:fontRef>
+    <cs:spPr>
+      <a:solidFill>
+        <a:schemeClr val="lt1"/>
+      </a:solidFill>
+      <a:ln w="9525">
+        <a:solidFill>
+          <a:schemeClr val="tx1">
+            <a:lumMod val="15000"/>
+            <a:lumOff val="85000"/>
+          </a:schemeClr>
+        </a:solidFill>
+      </a:ln>
+    </cs:spPr>
+  </cs:upBar>
+  <cs:valueAxis>
+    <cs:lnRef idx="0"/>
+    <cs:fillRef idx="0"/>
+    <cs:effectRef idx="0"/>
+    <cs:fontRef idx="minor">
+      <a:schemeClr val="tx1">
+        <a:lumMod val="65000"/>
+        <a:lumOff val="35000"/>
+      </a:schemeClr>
+    </cs:fontRef>
+    <cs:defRPr sz="1197" kern="1200"/>
+  </cs:valueAxis>
+  <cs:wall>
+    <cs:lnRef idx="0"/>
+    <cs:fillRef idx="0"/>
+    <cs:effectRef idx="0"/>
+    <cs:fontRef idx="minor">
+      <a:schemeClr val="tx1"/>
+    </cs:fontRef>
+    <cs:spPr>
+      <a:noFill/>
+      <a:ln>
+        <a:noFill/>
+      </a:ln>
+    </cs:spPr>
+  </cs:wall>
+</cs:chartStyle>
+</file>
+
 <file path=ppt/handoutMasters/handoutMaster1.xml><?xml version="1.0" encoding="utf-8"?>
 <p:handoutMaster xmlns:a="http://schemas.openxmlformats.org/drawingml/2006/main" xmlns:r="http://schemas.openxmlformats.org/officeDocument/2006/relationships" xmlns:p="http://schemas.openxmlformats.org/presentationml/2006/main">
   <p:cSld>
@@ -278,7 +1195,7 @@
               <a:pPr>
                 <a:defRPr/>
               </a:pPr>
-              <a:t>3/16/2013 10:15 AM</a:t>
+              <a:t>4/17/2013 9:46 PM</a:t>
             </a:fld>
             <a:endParaRPr lang="en-US"/>
           </a:p>
@@ -493,7 +1410,7 @@
               <a:pPr>
                 <a:defRPr/>
               </a:pPr>
-              <a:t>3/16/2013 10:15 AM</a:t>
+              <a:t>4/17/2013 9:46 PM</a:t>
             </a:fld>
             <a:endParaRPr lang="en-US"/>
           </a:p>
@@ -898,7 +1815,7 @@
             <a:fld id="{645EDAD1-88E4-4536-AD95-0BFD82EC77E6}" type="datetime8">
               <a:rPr lang="en-US" smtClean="0"/>
               <a:pPr/>
-              <a:t>3/16/2013 10:15 AM</a:t>
+              <a:t>4/17/2013 9:46 PM</a:t>
             </a:fld>
             <a:endParaRPr lang="en-US" smtClean="0"/>
           </a:p>
@@ -7116,7 +8033,7 @@
         <p:spPr>
           <a:xfrm>
             <a:off x="304800" y="5257800"/>
-            <a:ext cx="8077200" cy="535531"/>
+            <a:ext cx="8077200" cy="1421928"/>
           </a:xfrm>
         </p:spPr>
         <p:txBody>
@@ -7133,8 +8050,65 @@
                   <a:schemeClr val="tx2"/>
                 </a:solidFill>
               </a:rPr>
-              <a:t>Javier G. Lozano</a:t>
-            </a:r>
+              <a:t>Javier G. </a:t>
+            </a:r>
+            <a:r>
+              <a:rPr lang="en-US" b="1" dirty="0" smtClean="0">
+                <a:solidFill>
+                  <a:schemeClr val="tx2"/>
+                </a:solidFill>
+              </a:rPr>
+              <a:t>Lozano</a:t>
+            </a:r>
+          </a:p>
+          <a:p>
+            <a:pPr eaLnBrk="1" hangingPunct="1">
+              <a:buNone/>
+              <a:defRPr/>
+            </a:pPr>
+            <a:r>
+              <a:rPr lang="en-US" sz="2400" b="1" dirty="0">
+                <a:solidFill>
+                  <a:schemeClr val="tx2"/>
+                </a:solidFill>
+              </a:rPr>
+              <a:t>j</a:t>
+            </a:r>
+            <a:r>
+              <a:rPr lang="en-US" sz="2400" b="1" dirty="0" smtClean="0">
+                <a:solidFill>
+                  <a:schemeClr val="tx2"/>
+                </a:solidFill>
+              </a:rPr>
+              <a:t>avier@lozanotek.com</a:t>
+            </a:r>
+          </a:p>
+          <a:p>
+            <a:pPr eaLnBrk="1" hangingPunct="1">
+              <a:buNone/>
+              <a:defRPr/>
+            </a:pPr>
+            <a:r>
+              <a:rPr lang="en-US" sz="2400" b="1" dirty="0" smtClean="0">
+                <a:solidFill>
+                  <a:schemeClr val="tx2"/>
+                </a:solidFill>
+              </a:rPr>
+              <a:t>@</a:t>
+            </a:r>
+            <a:r>
+              <a:rPr lang="en-US" sz="2400" b="1" dirty="0" err="1" smtClean="0">
+                <a:solidFill>
+                  <a:schemeClr val="tx2"/>
+                </a:solidFill>
+              </a:rPr>
+              <a:t>jglozano</a:t>
+            </a:r>
+            <a:endParaRPr lang="en-US" sz="2400" b="1" dirty="0" smtClean="0">
+              <a:solidFill>
+                <a:schemeClr val="tx2"/>
+              </a:solidFill>
+            </a:endParaRPr>
           </a:p>
         </p:txBody>
       </p:sp>
@@ -7329,7 +8303,7 @@
         <p:spPr>
           <a:xfrm>
             <a:off x="381002" y="1417638"/>
-            <a:ext cx="8410575" cy="2899255"/>
+            <a:ext cx="8410575" cy="2973122"/>
           </a:xfrm>
         </p:spPr>
         <p:txBody>
@@ -7362,9 +8336,16 @@
             <a:endParaRPr lang="en-US" dirty="0" smtClean="0"/>
           </a:p>
           <a:p>
-            <a:r>
-              <a:rPr lang="en-US" dirty="0" smtClean="0"/>
-              <a:t>http://github.com/lozanotek/cloudscale</a:t>
+            <a:pPr marL="0" indent="0" algn="ctr">
+              <a:buNone/>
+            </a:pPr>
+            <a:r>
+              <a:rPr lang="en-US" sz="3600" b="1" dirty="0" smtClean="0"/>
+              <a:t>https://</a:t>
+            </a:r>
+            <a:r>
+              <a:rPr lang="en-US" sz="3600" b="1" dirty="0" smtClean="0"/>
+              <a:t>github.com/lozanotek/cloudscale</a:t>
             </a:r>
           </a:p>
         </p:txBody>
@@ -7469,7 +8450,7 @@
         <p:spPr>
           <a:xfrm>
             <a:off x="381002" y="1417638"/>
-            <a:ext cx="8410575" cy="3120854"/>
+            <a:ext cx="8410575" cy="2234458"/>
           </a:xfrm>
         </p:spPr>
         <p:txBody>
@@ -7478,56 +8459,14 @@
           <a:p>
             <a:r>
               <a:rPr lang="en-US" dirty="0" smtClean="0"/>
-              <a:t>Increased interest on the </a:t>
-            </a:r>
-            <a:r>
-              <a:rPr lang="en-US" dirty="0" smtClean="0"/>
-              <a:t>conference, </a:t>
-            </a:r>
-            <a:r>
-              <a:rPr lang="en-US" dirty="0" err="1" smtClean="0"/>
-              <a:t>aspConf</a:t>
-            </a:r>
+              <a:t>Increased interest on the conference</a:t>
+            </a:r>
+          </a:p>
+          <a:p>
             <a:endParaRPr lang="en-US" dirty="0" smtClean="0"/>
           </a:p>
           <a:p>
             <a:pPr lvl="1"/>
-            <a:r>
-              <a:rPr lang="en-US" dirty="0" smtClean="0"/>
-              <a:t>Year 1 – 1,500 </a:t>
-            </a:r>
-            <a:r>
-              <a:rPr lang="en-US" dirty="0" err="1" smtClean="0"/>
-              <a:t>regs</a:t>
-            </a:r>
-            <a:endParaRPr lang="en-US" dirty="0" smtClean="0"/>
-          </a:p>
-          <a:p>
-            <a:pPr lvl="1"/>
-            <a:r>
-              <a:rPr lang="en-US" dirty="0" smtClean="0"/>
-              <a:t>Year 2 – 3,000 </a:t>
-            </a:r>
-            <a:r>
-              <a:rPr lang="en-US" dirty="0" err="1" smtClean="0"/>
-              <a:t>regs</a:t>
-            </a:r>
-            <a:endParaRPr lang="en-US" dirty="0" smtClean="0"/>
-          </a:p>
-          <a:p>
-            <a:pPr lvl="1"/>
-            <a:r>
-              <a:rPr lang="en-US" dirty="0" smtClean="0"/>
-              <a:t>Year 3 – </a:t>
-            </a:r>
-            <a:r>
-              <a:rPr lang="en-US" dirty="0" smtClean="0"/>
-              <a:t>8,000+ </a:t>
-            </a:r>
-            <a:r>
-              <a:rPr lang="en-US" dirty="0" err="1" smtClean="0"/>
-              <a:t>regs</a:t>
-            </a:r>
             <a:endParaRPr lang="en-US" dirty="0" smtClean="0"/>
           </a:p>
           <a:p>
@@ -7567,6 +8506,58 @@
           </a:p>
         </p:txBody>
       </p:sp>
+      <p:pic>
+        <p:nvPicPr>
+          <p:cNvPr id="5" name="Picture 4"/>
+          <p:cNvPicPr>
+            <a:picLocks noChangeAspect="1"/>
+          </p:cNvPicPr>
+          <p:nvPr/>
+        </p:nvPicPr>
+        <p:blipFill>
+          <a:blip r:embed="rId2">
+            <a:extLst>
+              <a:ext uri="{28A0092B-C50C-407E-A947-70E740481C1C}">
+                <a14:useLocalDpi xmlns:a14="http://schemas.microsoft.com/office/drawing/2010/main" val="0"/>
+              </a:ext>
+            </a:extLst>
+          </a:blip>
+          <a:stretch>
+            <a:fillRect/>
+          </a:stretch>
+        </p:blipFill>
+        <p:spPr>
+          <a:xfrm>
+            <a:off x="2190750" y="4198307"/>
+            <a:ext cx="4762500" cy="1714500"/>
+          </a:xfrm>
+          <a:prstGeom prst="rect">
+            <a:avLst/>
+          </a:prstGeom>
+        </p:spPr>
+      </p:pic>
+      <p:graphicFrame>
+        <p:nvGraphicFramePr>
+          <p:cNvPr id="13" name="Chart 12"/>
+          <p:cNvGraphicFramePr/>
+          <p:nvPr>
+            <p:extLst>
+              <p:ext uri="{D42A27DB-BD31-4B8C-83A1-F6EECF244321}">
+                <p14:modId xmlns:p14="http://schemas.microsoft.com/office/powerpoint/2010/main" val="1763700267"/>
+              </p:ext>
+            </p:extLst>
+          </p:nvPr>
+        </p:nvGraphicFramePr>
+        <p:xfrm>
+          <a:off x="2400300" y="1874954"/>
+          <a:ext cx="4343400" cy="2336800"/>
+        </p:xfrm>
+        <a:graphic>
+          <a:graphicData uri="http://schemas.openxmlformats.org/drawingml/2006/chart">
+            <c:chart xmlns:c="http://schemas.openxmlformats.org/drawingml/2006/chart" xmlns:r="http://schemas.openxmlformats.org/officeDocument/2006/relationships" r:id="rId3"/>
+          </a:graphicData>
+        </a:graphic>
+      </p:graphicFrame>
     </p:spTree>
     <p:extLst>
       <p:ext uri="{BB962C8B-B14F-4D97-AF65-F5344CB8AC3E}">
@@ -7677,11 +8668,7 @@
             </a:r>
             <a:r>
               <a:rPr lang="en-US" smtClean="0"/>
-              <a:t>one </a:t>
-            </a:r>
-            <a:r>
-              <a:rPr lang="en-US" smtClean="0"/>
-              <a:t>source</a:t>
+              <a:t>one source</a:t>
             </a:r>
             <a:endParaRPr lang="en-US" dirty="0" smtClean="0"/>
           </a:p>
@@ -7722,6 +8709,36 @@
           </a:p>
         </p:txBody>
       </p:sp>
+      <p:pic>
+        <p:nvPicPr>
+          <p:cNvPr id="5" name="Picture 4"/>
+          <p:cNvPicPr>
+            <a:picLocks noChangeAspect="1"/>
+          </p:cNvPicPr>
+          <p:nvPr/>
+        </p:nvPicPr>
+        <p:blipFill>
+          <a:blip r:embed="rId2">
+            <a:extLst>
+              <a:ext uri="{28A0092B-C50C-407E-A947-70E740481C1C}">
+                <a14:useLocalDpi xmlns:a14="http://schemas.microsoft.com/office/drawing/2010/main" val="0"/>
+              </a:ext>
+            </a:extLst>
+          </a:blip>
+          <a:stretch>
+            <a:fillRect/>
+          </a:stretch>
+        </p:blipFill>
+        <p:spPr>
+          <a:xfrm>
+            <a:off x="2190750" y="4198307"/>
+            <a:ext cx="4762500" cy="1714500"/>
+          </a:xfrm>
+          <a:prstGeom prst="rect">
+            <a:avLst/>
+          </a:prstGeom>
+        </p:spPr>
+      </p:pic>
     </p:spTree>
     <p:extLst>
       <p:ext uri="{BB962C8B-B14F-4D97-AF65-F5344CB8AC3E}">

--- a/slides/CloudScale.pptx
+++ b/slides/CloudScale.pptx
@@ -6,24 +6,29 @@
     <p:sldMasterId id="2147483656" r:id="rId2"/>
   </p:sldMasterIdLst>
   <p:notesMasterIdLst>
-    <p:notesMasterId r:id="rId10"/>
+    <p:notesMasterId r:id="rId15"/>
   </p:notesMasterIdLst>
   <p:handoutMasterIdLst>
-    <p:handoutMasterId r:id="rId11"/>
+    <p:handoutMasterId r:id="rId16"/>
   </p:handoutMasterIdLst>
   <p:sldIdLst>
     <p:sldId id="676" r:id="rId3"/>
     <p:sldId id="677" r:id="rId4"/>
     <p:sldId id="698" r:id="rId5"/>
     <p:sldId id="699" r:id="rId6"/>
-    <p:sldId id="700" r:id="rId7"/>
-    <p:sldId id="701" r:id="rId8"/>
-    <p:sldId id="696" r:id="rId9"/>
+    <p:sldId id="706" r:id="rId7"/>
+    <p:sldId id="707" r:id="rId8"/>
+    <p:sldId id="700" r:id="rId9"/>
+    <p:sldId id="702" r:id="rId10"/>
+    <p:sldId id="703" r:id="rId11"/>
+    <p:sldId id="705" r:id="rId12"/>
+    <p:sldId id="701" r:id="rId13"/>
+    <p:sldId id="696" r:id="rId14"/>
   </p:sldIdLst>
   <p:sldSz cx="9144000" cy="6858000" type="screen4x3"/>
   <p:notesSz cx="9601200" cy="7315200"/>
   <p:custDataLst>
-    <p:tags r:id="rId12"/>
+    <p:tags r:id="rId17"/>
   </p:custDataLst>
   <p:defaultTextStyle>
     <a:defPPr>
@@ -233,7 +238,11 @@
             </a:pPr>
             <a:r>
               <a:rPr lang="en-US" dirty="0" smtClean="0"/>
-              <a:t>Attendees</a:t>
+              <a:t>“</a:t>
+            </a:r>
+            <a:r>
+              <a:rPr lang="en-US" dirty="0" err="1" smtClean="0"/>
+              <a:t>Registered”Attendees</a:t>
             </a:r>
             <a:endParaRPr lang="en-US" dirty="0"/>
           </a:p>
@@ -414,11 +423,11 @@
           <c:showBubbleSize val="0"/>
         </c:dLbls>
         <c:smooth val="0"/>
-        <c:axId val="1122110000"/>
-        <c:axId val="1122118160"/>
+        <c:axId val="-681461984"/>
+        <c:axId val="-681461440"/>
       </c:lineChart>
       <c:catAx>
-        <c:axId val="1122110000"/>
+        <c:axId val="-681461984"/>
         <c:scaling>
           <c:orientation val="minMax"/>
         </c:scaling>
@@ -461,7 +470,7 @@
             <a:endParaRPr lang="en-US"/>
           </a:p>
         </c:txPr>
-        <c:crossAx val="1122118160"/>
+        <c:crossAx val="-681461440"/>
         <c:crosses val="autoZero"/>
         <c:auto val="1"/>
         <c:lblAlgn val="ctr"/>
@@ -469,7 +478,7 @@
         <c:noMultiLvlLbl val="0"/>
       </c:catAx>
       <c:valAx>
-        <c:axId val="1122118160"/>
+        <c:axId val="-681461440"/>
         <c:scaling>
           <c:orientation val="minMax"/>
         </c:scaling>
@@ -520,7 +529,7 @@
             <a:endParaRPr lang="en-US"/>
           </a:p>
         </c:txPr>
-        <c:crossAx val="1122110000"/>
+        <c:crossAx val="-681461984"/>
         <c:crosses val="autoZero"/>
         <c:crossBetween val="between"/>
       </c:valAx>
@@ -1195,7 +1204,7 @@
               <a:pPr>
                 <a:defRPr/>
               </a:pPr>
-              <a:t>4/17/2013 9:46 PM</a:t>
+              <a:t>4/18/2013 10:17 AM</a:t>
             </a:fld>
             <a:endParaRPr lang="en-US"/>
           </a:p>
@@ -1410,7 +1419,7 @@
               <a:pPr>
                 <a:defRPr/>
               </a:pPr>
-              <a:t>4/17/2013 9:46 PM</a:t>
+              <a:t>4/18/2013 10:17 AM</a:t>
             </a:fld>
             <a:endParaRPr lang="en-US"/>
           </a:p>
@@ -1815,7 +1824,7 @@
             <a:fld id="{645EDAD1-88E4-4536-AD95-0BFD82EC77E6}" type="datetime8">
               <a:rPr lang="en-US" smtClean="0"/>
               <a:pPr/>
-              <a:t>4/17/2013 9:46 PM</a:t>
+              <a:t>4/18/2013 10:17 AM</a:t>
             </a:fld>
             <a:endParaRPr lang="en-US" smtClean="0"/>
           </a:p>
@@ -8050,15 +8059,7 @@
                   <a:schemeClr val="tx2"/>
                 </a:solidFill>
               </a:rPr>
-              <a:t>Javier G. </a:t>
-            </a:r>
-            <a:r>
-              <a:rPr lang="en-US" b="1" dirty="0" smtClean="0">
-                <a:solidFill>
-                  <a:schemeClr val="tx2"/>
-                </a:solidFill>
-              </a:rPr>
-              <a:t>Lozano</a:t>
+              <a:t>Javier G. Lozano</a:t>
             </a:r>
           </a:p>
           <a:p>
@@ -8109,6 +8110,407 @@
                 <a:schemeClr val="tx2"/>
               </a:solidFill>
             </a:endParaRPr>
+          </a:p>
+        </p:txBody>
+      </p:sp>
+    </p:spTree>
+  </p:cSld>
+  <p:clrMapOvr>
+    <a:masterClrMapping/>
+  </p:clrMapOvr>
+  <p:transition>
+    <p:fade/>
+  </p:transition>
+  <p:timing>
+    <p:tnLst>
+      <p:par>
+        <p:cTn id="1" dur="indefinite" restart="never" nodeType="tmRoot"/>
+      </p:par>
+    </p:tnLst>
+  </p:timing>
+</p:sld>
+</file>
+
+<file path=ppt/slides/slide10.xml><?xml version="1.0" encoding="utf-8"?>
+<p:sld xmlns:a="http://schemas.openxmlformats.org/drawingml/2006/main" xmlns:r="http://schemas.openxmlformats.org/officeDocument/2006/relationships" xmlns:p="http://schemas.openxmlformats.org/presentationml/2006/main">
+  <p:cSld>
+    <p:spTree>
+      <p:nvGrpSpPr>
+        <p:cNvPr id="1" name=""/>
+        <p:cNvGrpSpPr/>
+        <p:nvPr/>
+      </p:nvGrpSpPr>
+      <p:grpSpPr>
+        <a:xfrm>
+          <a:off x="0" y="0"/>
+          <a:ext cx="0" cy="0"/>
+          <a:chOff x="0" y="0"/>
+          <a:chExt cx="0" cy="0"/>
+        </a:xfrm>
+      </p:grpSpPr>
+      <p:sp>
+        <p:nvSpPr>
+          <p:cNvPr id="2" name="Title 1"/>
+          <p:cNvSpPr>
+            <a:spLocks noGrp="1"/>
+          </p:cNvSpPr>
+          <p:nvPr>
+            <p:ph type="title"/>
+          </p:nvPr>
+        </p:nvSpPr>
+        <p:spPr/>
+        <p:txBody>
+          <a:bodyPr/>
+          <a:lstStyle/>
+          <a:p>
+            <a:r>
+              <a:rPr lang="en-US" b="1" dirty="0" smtClean="0"/>
+              <a:t>How?</a:t>
+            </a:r>
+            <a:endParaRPr lang="en-US" b="1" dirty="0"/>
+          </a:p>
+        </p:txBody>
+      </p:sp>
+      <p:sp>
+        <p:nvSpPr>
+          <p:cNvPr id="3" name="Content Placeholder 2"/>
+          <p:cNvSpPr>
+            <a:spLocks noGrp="1"/>
+          </p:cNvSpPr>
+          <p:nvPr>
+            <p:ph idx="1"/>
+          </p:nvPr>
+        </p:nvSpPr>
+        <p:spPr>
+          <a:xfrm>
+            <a:off x="381002" y="1417638"/>
+            <a:ext cx="8410575" cy="2603790"/>
+          </a:xfrm>
+        </p:spPr>
+        <p:txBody>
+          <a:bodyPr/>
+          <a:lstStyle/>
+          <a:p>
+            <a:r>
+              <a:rPr lang="en-US" dirty="0" smtClean="0"/>
+              <a:t>Ad-hoc Provisioning</a:t>
+            </a:r>
+          </a:p>
+          <a:p>
+            <a:pPr lvl="1"/>
+            <a:r>
+              <a:rPr lang="en-US" dirty="0" smtClean="0"/>
+              <a:t>Instance bursting/sizing</a:t>
+            </a:r>
+          </a:p>
+          <a:p>
+            <a:r>
+              <a:rPr lang="en-US" dirty="0" smtClean="0"/>
+              <a:t>Re-thinking paradigm</a:t>
+            </a:r>
+          </a:p>
+          <a:p>
+            <a:pPr lvl="1"/>
+            <a:r>
+              <a:rPr lang="en-US" dirty="0" smtClean="0"/>
+              <a:t>Re-work</a:t>
+            </a:r>
+          </a:p>
+          <a:p>
+            <a:pPr lvl="1"/>
+            <a:r>
+              <a:rPr lang="en-US" sz="2400" b="1" i="1" dirty="0"/>
+              <a:t>C</a:t>
+            </a:r>
+            <a:r>
+              <a:rPr lang="en-US" sz="2400" b="1" i="1" dirty="0" smtClean="0"/>
+              <a:t>rappy code in the cloud costs money</a:t>
+            </a:r>
+            <a:r>
+              <a:rPr lang="en-US" sz="2400" i="1" dirty="0" smtClean="0"/>
+              <a:t> – Scott Hanselman</a:t>
+            </a:r>
+            <a:endParaRPr lang="en-US" sz="2400" i="1" dirty="0"/>
+          </a:p>
+        </p:txBody>
+      </p:sp>
+      <p:sp>
+        <p:nvSpPr>
+          <p:cNvPr id="4" name="Slide Number Placeholder 3"/>
+          <p:cNvSpPr>
+            <a:spLocks noGrp="1"/>
+          </p:cNvSpPr>
+          <p:nvPr>
+            <p:ph type="sldNum" sz="quarter" idx="10"/>
+          </p:nvPr>
+        </p:nvSpPr>
+        <p:spPr/>
+        <p:txBody>
+          <a:bodyPr/>
+          <a:lstStyle/>
+          <a:p>
+            <a:pPr>
+              <a:defRPr/>
+            </a:pPr>
+            <a:fld id="{B63753EC-566D-40B0-951D-58F31B9256E5}" type="slidenum">
+              <a:rPr lang="en-US" smtClean="0"/>
+              <a:pPr>
+                <a:defRPr/>
+              </a:pPr>
+              <a:t>10</a:t>
+            </a:fld>
+            <a:endParaRPr lang="en-US"/>
+          </a:p>
+        </p:txBody>
+      </p:sp>
+    </p:spTree>
+    <p:extLst>
+      <p:ext uri="{BB962C8B-B14F-4D97-AF65-F5344CB8AC3E}">
+        <p14:creationId xmlns:p14="http://schemas.microsoft.com/office/powerpoint/2010/main" val="2565774510"/>
+      </p:ext>
+    </p:extLst>
+  </p:cSld>
+  <p:clrMapOvr>
+    <a:masterClrMapping/>
+  </p:clrMapOvr>
+  <p:transition>
+    <p:fade/>
+  </p:transition>
+  <p:timing>
+    <p:tnLst>
+      <p:par>
+        <p:cTn id="1" dur="indefinite" restart="never" nodeType="tmRoot"/>
+      </p:par>
+    </p:tnLst>
+  </p:timing>
+</p:sld>
+</file>
+
+<file path=ppt/slides/slide11.xml><?xml version="1.0" encoding="utf-8"?>
+<p:sld xmlns:a="http://schemas.openxmlformats.org/drawingml/2006/main" xmlns:r="http://schemas.openxmlformats.org/officeDocument/2006/relationships" xmlns:p="http://schemas.openxmlformats.org/presentationml/2006/main">
+  <p:cSld>
+    <p:spTree>
+      <p:nvGrpSpPr>
+        <p:cNvPr id="1" name=""/>
+        <p:cNvGrpSpPr/>
+        <p:nvPr/>
+      </p:nvGrpSpPr>
+      <p:grpSpPr>
+        <a:xfrm>
+          <a:off x="0" y="0"/>
+          <a:ext cx="0" cy="0"/>
+          <a:chOff x="0" y="0"/>
+          <a:chExt cx="0" cy="0"/>
+        </a:xfrm>
+      </p:grpSpPr>
+      <p:sp>
+        <p:nvSpPr>
+          <p:cNvPr id="2" name="Title 1"/>
+          <p:cNvSpPr>
+            <a:spLocks noGrp="1"/>
+          </p:cNvSpPr>
+          <p:nvPr>
+            <p:ph type="title"/>
+          </p:nvPr>
+        </p:nvSpPr>
+        <p:spPr/>
+        <p:txBody>
+          <a:bodyPr/>
+          <a:lstStyle/>
+          <a:p>
+            <a:r>
+              <a:rPr lang="en-US" b="1" dirty="0" smtClean="0"/>
+              <a:t>How?</a:t>
+            </a:r>
+            <a:endParaRPr lang="en-US" b="1" dirty="0"/>
+          </a:p>
+        </p:txBody>
+      </p:sp>
+      <p:sp>
+        <p:nvSpPr>
+          <p:cNvPr id="3" name="Content Placeholder 2"/>
+          <p:cNvSpPr>
+            <a:spLocks noGrp="1"/>
+          </p:cNvSpPr>
+          <p:nvPr>
+            <p:ph idx="1"/>
+          </p:nvPr>
+        </p:nvSpPr>
+        <p:spPr>
+          <a:xfrm>
+            <a:off x="381002" y="2588770"/>
+            <a:ext cx="8410575" cy="1680460"/>
+          </a:xfrm>
+        </p:spPr>
+        <p:txBody>
+          <a:bodyPr anchor="ctr"/>
+          <a:lstStyle/>
+          <a:p>
+            <a:pPr marL="0" indent="0" algn="ctr">
+              <a:buNone/>
+            </a:pPr>
+            <a:r>
+              <a:rPr lang="en-US" sz="7200" dirty="0" smtClean="0"/>
+              <a:t>DEMO</a:t>
+            </a:r>
+          </a:p>
+          <a:p>
+            <a:pPr marL="0" indent="0">
+              <a:buNone/>
+            </a:pPr>
+            <a:endParaRPr lang="en-US" dirty="0" smtClean="0"/>
+          </a:p>
+        </p:txBody>
+      </p:sp>
+      <p:sp>
+        <p:nvSpPr>
+          <p:cNvPr id="4" name="Slide Number Placeholder 3"/>
+          <p:cNvSpPr>
+            <a:spLocks noGrp="1"/>
+          </p:cNvSpPr>
+          <p:nvPr>
+            <p:ph type="sldNum" sz="quarter" idx="10"/>
+          </p:nvPr>
+        </p:nvSpPr>
+        <p:spPr/>
+        <p:txBody>
+          <a:bodyPr/>
+          <a:lstStyle/>
+          <a:p>
+            <a:pPr>
+              <a:defRPr/>
+            </a:pPr>
+            <a:fld id="{B63753EC-566D-40B0-951D-58F31B9256E5}" type="slidenum">
+              <a:rPr lang="en-US" smtClean="0"/>
+              <a:pPr>
+                <a:defRPr/>
+              </a:pPr>
+              <a:t>11</a:t>
+            </a:fld>
+            <a:endParaRPr lang="en-US"/>
+          </a:p>
+        </p:txBody>
+      </p:sp>
+    </p:spTree>
+    <p:extLst>
+      <p:ext uri="{BB962C8B-B14F-4D97-AF65-F5344CB8AC3E}">
+        <p14:creationId xmlns:p14="http://schemas.microsoft.com/office/powerpoint/2010/main" val="1680141123"/>
+      </p:ext>
+    </p:extLst>
+  </p:cSld>
+  <p:clrMapOvr>
+    <a:masterClrMapping/>
+  </p:clrMapOvr>
+  <p:transition>
+    <p:fade/>
+  </p:transition>
+  <p:timing>
+    <p:tnLst>
+      <p:par>
+        <p:cTn id="1" dur="indefinite" restart="never" nodeType="tmRoot"/>
+      </p:par>
+    </p:tnLst>
+  </p:timing>
+</p:sld>
+</file>
+
+<file path=ppt/slides/slide12.xml><?xml version="1.0" encoding="utf-8"?>
+<p:sld xmlns:a="http://schemas.openxmlformats.org/drawingml/2006/main" xmlns:r="http://schemas.openxmlformats.org/officeDocument/2006/relationships" xmlns:p="http://schemas.openxmlformats.org/presentationml/2006/main">
+  <p:cSld>
+    <p:spTree>
+      <p:nvGrpSpPr>
+        <p:cNvPr id="1" name=""/>
+        <p:cNvGrpSpPr/>
+        <p:nvPr/>
+      </p:nvGrpSpPr>
+      <p:grpSpPr>
+        <a:xfrm>
+          <a:off x="0" y="0"/>
+          <a:ext cx="0" cy="0"/>
+          <a:chOff x="0" y="0"/>
+          <a:chExt cx="0" cy="0"/>
+        </a:xfrm>
+      </p:grpSpPr>
+      <p:sp>
+        <p:nvSpPr>
+          <p:cNvPr id="2" name="Title 1"/>
+          <p:cNvSpPr>
+            <a:spLocks noGrp="1"/>
+          </p:cNvSpPr>
+          <p:nvPr>
+            <p:ph type="title"/>
+          </p:nvPr>
+        </p:nvSpPr>
+        <p:spPr/>
+        <p:txBody>
+          <a:bodyPr/>
+          <a:lstStyle/>
+          <a:p>
+            <a:r>
+              <a:rPr lang="en-US" b="1" dirty="0" smtClean="0"/>
+              <a:t>Thanks!</a:t>
+            </a:r>
+            <a:endParaRPr lang="en-US" b="1" dirty="0"/>
+          </a:p>
+        </p:txBody>
+      </p:sp>
+      <p:sp>
+        <p:nvSpPr>
+          <p:cNvPr id="3" name="Content Placeholder 2"/>
+          <p:cNvSpPr>
+            <a:spLocks noGrp="1"/>
+          </p:cNvSpPr>
+          <p:nvPr>
+            <p:ph idx="1"/>
+          </p:nvPr>
+        </p:nvSpPr>
+        <p:spPr>
+          <a:xfrm>
+            <a:off x="381002" y="3161235"/>
+            <a:ext cx="8410575" cy="757130"/>
+          </a:xfrm>
+        </p:spPr>
+        <p:txBody>
+          <a:bodyPr/>
+          <a:lstStyle/>
+          <a:p>
+            <a:pPr algn="ctr">
+              <a:buNone/>
+            </a:pPr>
+            <a:r>
+              <a:rPr lang="en-US" sz="4800" b="1" dirty="0" smtClean="0"/>
+              <a:t>Questions?</a:t>
+            </a:r>
+            <a:endParaRPr lang="en-US" sz="2800" b="1" dirty="0" smtClean="0"/>
+          </a:p>
+        </p:txBody>
+      </p:sp>
+      <p:sp>
+        <p:nvSpPr>
+          <p:cNvPr id="4" name="Slide Number Placeholder 3"/>
+          <p:cNvSpPr>
+            <a:spLocks noGrp="1"/>
+          </p:cNvSpPr>
+          <p:nvPr>
+            <p:ph type="sldNum" sz="quarter" idx="10"/>
+          </p:nvPr>
+        </p:nvSpPr>
+        <p:spPr/>
+        <p:txBody>
+          <a:bodyPr/>
+          <a:lstStyle/>
+          <a:p>
+            <a:pPr>
+              <a:defRPr/>
+            </a:pPr>
+            <a:fld id="{B63753EC-566D-40B0-951D-58F31B9256E5}" type="slidenum">
+              <a:rPr lang="en-US" smtClean="0"/>
+              <a:pPr>
+                <a:defRPr/>
+              </a:pPr>
+              <a:t>12</a:t>
+            </a:fld>
+            <a:endParaRPr lang="en-US"/>
           </a:p>
         </p:txBody>
       </p:sp>
@@ -8341,11 +8743,7 @@
             </a:pPr>
             <a:r>
               <a:rPr lang="en-US" sz="3600" b="1" dirty="0" smtClean="0"/>
-              <a:t>https://</a:t>
-            </a:r>
-            <a:r>
-              <a:rPr lang="en-US" sz="3600" b="1" dirty="0" smtClean="0"/>
-              <a:t>github.com/lozanotek/cloudscale</a:t>
+              <a:t>https://github.com/lozanotek/cloudscale</a:t>
             </a:r>
           </a:p>
         </p:txBody>
@@ -8439,46 +8837,6 @@
       </p:sp>
       <p:sp>
         <p:nvSpPr>
-          <p:cNvPr id="3" name="Content Placeholder 2"/>
-          <p:cNvSpPr>
-            <a:spLocks noGrp="1"/>
-          </p:cNvSpPr>
-          <p:nvPr>
-            <p:ph idx="1"/>
-          </p:nvPr>
-        </p:nvSpPr>
-        <p:spPr>
-          <a:xfrm>
-            <a:off x="381002" y="1417638"/>
-            <a:ext cx="8410575" cy="2234458"/>
-          </a:xfrm>
-        </p:spPr>
-        <p:txBody>
-          <a:bodyPr/>
-          <a:lstStyle/>
-          <a:p>
-            <a:r>
-              <a:rPr lang="en-US" dirty="0" smtClean="0"/>
-              <a:t>Increased interest on the conference</a:t>
-            </a:r>
-          </a:p>
-          <a:p>
-            <a:endParaRPr lang="en-US" dirty="0" smtClean="0"/>
-          </a:p>
-          <a:p>
-            <a:pPr lvl="1"/>
-            <a:endParaRPr lang="en-US" dirty="0" smtClean="0"/>
-          </a:p>
-          <a:p>
-            <a:pPr marL="0" indent="0">
-              <a:buNone/>
-            </a:pPr>
-            <a:endParaRPr lang="en-US" dirty="0" smtClean="0"/>
-          </a:p>
-        </p:txBody>
-      </p:sp>
-      <p:sp>
-        <p:nvSpPr>
           <p:cNvPr id="4" name="Slide Number Placeholder 3"/>
           <p:cNvSpPr>
             <a:spLocks noGrp="1"/>
@@ -8543,14 +8901,14 @@
           <p:nvPr>
             <p:extLst>
               <p:ext uri="{D42A27DB-BD31-4B8C-83A1-F6EECF244321}">
-                <p14:modId xmlns:p14="http://schemas.microsoft.com/office/powerpoint/2010/main" val="1763700267"/>
+                <p14:modId xmlns:p14="http://schemas.microsoft.com/office/powerpoint/2010/main" val="4163543420"/>
               </p:ext>
             </p:extLst>
           </p:nvPr>
         </p:nvGraphicFramePr>
         <p:xfrm>
-          <a:off x="2400300" y="1874954"/>
-          <a:ext cx="4343400" cy="2336800"/>
+          <a:off x="1581150" y="1143000"/>
+          <a:ext cx="5981700" cy="3068754"/>
         </p:xfrm>
         <a:graphic>
           <a:graphicData uri="http://schemas.openxmlformats.org/drawingml/2006/chart">
@@ -8643,32 +9001,42 @@
           <a:p>
             <a:r>
               <a:rPr lang="en-US" dirty="0" smtClean="0"/>
-              <a:t>Shared Hosting Doesn’t Scale (Easily)</a:t>
-            </a:r>
+              <a:t>Old Assumptions Were Wrong</a:t>
+            </a:r>
+            <a:endParaRPr lang="en-US" dirty="0" smtClean="0"/>
           </a:p>
           <a:p>
             <a:pPr lvl="1"/>
             <a:r>
               <a:rPr lang="en-US" dirty="0" smtClean="0"/>
-              <a:t>503s during the keynote</a:t>
-            </a:r>
+              <a:t>We designed for ‘</a:t>
+            </a:r>
+            <a:r>
+              <a:rPr lang="en-US" smtClean="0"/>
+              <a:t>typical flow’</a:t>
+            </a:r>
+            <a:endParaRPr lang="en-US" dirty="0" smtClean="0"/>
           </a:p>
           <a:p>
             <a:pPr lvl="1"/>
             <a:r>
               <a:rPr lang="en-US" dirty="0" smtClean="0"/>
-              <a:t>People could not access schedule</a:t>
+              <a:t>Serving </a:t>
+            </a:r>
+            <a:r>
+              <a:rPr lang="en-US" dirty="0" smtClean="0"/>
+              <a:t>too much content from one </a:t>
+            </a:r>
+            <a:r>
+              <a:rPr lang="en-US" dirty="0" smtClean="0"/>
+              <a:t>source</a:t>
             </a:r>
           </a:p>
           <a:p>
             <a:pPr lvl="1"/>
             <a:r>
               <a:rPr lang="en-US" dirty="0" smtClean="0"/>
-              <a:t>Serving too much content from </a:t>
-            </a:r>
-            <a:r>
-              <a:rPr lang="en-US" smtClean="0"/>
-              <a:t>one source</a:t>
+              <a:t>Not levering the ‘Internet’</a:t>
             </a:r>
             <a:endParaRPr lang="en-US" dirty="0" smtClean="0"/>
           </a:p>
@@ -8742,7 +9110,7 @@
     </p:spTree>
     <p:extLst>
       <p:ext uri="{BB962C8B-B14F-4D97-AF65-F5344CB8AC3E}">
-        <p14:creationId xmlns:p14="http://schemas.microsoft.com/office/powerpoint/2010/main" val="3361921950"/>
+        <p14:creationId xmlns:p14="http://schemas.microsoft.com/office/powerpoint/2010/main" val="3577627316"/>
       </p:ext>
     </p:extLst>
   </p:cSld>
@@ -8796,45 +9164,9 @@
           <a:p>
             <a:r>
               <a:rPr lang="en-US" b="1" dirty="0" smtClean="0"/>
-              <a:t>How?</a:t>
+              <a:t>Why?</a:t>
             </a:r>
             <a:endParaRPr lang="en-US" b="1" dirty="0"/>
-          </a:p>
-        </p:txBody>
-      </p:sp>
-      <p:sp>
-        <p:nvSpPr>
-          <p:cNvPr id="3" name="Content Placeholder 2"/>
-          <p:cNvSpPr>
-            <a:spLocks noGrp="1"/>
-          </p:cNvSpPr>
-          <p:nvPr>
-            <p:ph idx="1"/>
-          </p:nvPr>
-        </p:nvSpPr>
-        <p:spPr>
-          <a:xfrm>
-            <a:off x="381002" y="2588770"/>
-            <a:ext cx="8410575" cy="1680460"/>
-          </a:xfrm>
-        </p:spPr>
-        <p:txBody>
-          <a:bodyPr anchor="ctr"/>
-          <a:lstStyle/>
-          <a:p>
-            <a:pPr marL="0" indent="0" algn="ctr">
-              <a:buNone/>
-            </a:pPr>
-            <a:r>
-              <a:rPr lang="en-US" sz="7200" dirty="0" smtClean="0"/>
-              <a:t>DEMO</a:t>
-            </a:r>
-          </a:p>
-          <a:p>
-            <a:pPr marL="0" indent="0">
-              <a:buNone/>
-            </a:pPr>
-            <a:endParaRPr lang="en-US" dirty="0" smtClean="0"/>
           </a:p>
         </p:txBody>
       </p:sp>
@@ -8867,10 +9199,40 @@
           </a:p>
         </p:txBody>
       </p:sp>
+      <p:pic>
+        <p:nvPicPr>
+          <p:cNvPr id="5" name="Picture 4"/>
+          <p:cNvPicPr>
+            <a:picLocks noChangeAspect="1"/>
+          </p:cNvPicPr>
+          <p:nvPr/>
+        </p:nvPicPr>
+        <p:blipFill>
+          <a:blip r:embed="rId2">
+            <a:extLst>
+              <a:ext uri="{28A0092B-C50C-407E-A947-70E740481C1C}">
+                <a14:useLocalDpi xmlns:a14="http://schemas.microsoft.com/office/drawing/2010/main" val="0"/>
+              </a:ext>
+            </a:extLst>
+          </a:blip>
+          <a:stretch>
+            <a:fillRect/>
+          </a:stretch>
+        </p:blipFill>
+        <p:spPr>
+          <a:xfrm>
+            <a:off x="2667000" y="2000250"/>
+            <a:ext cx="3810000" cy="2857500"/>
+          </a:xfrm>
+          <a:prstGeom prst="rect">
+            <a:avLst/>
+          </a:prstGeom>
+        </p:spPr>
+      </p:pic>
     </p:spTree>
     <p:extLst>
       <p:ext uri="{BB962C8B-B14F-4D97-AF65-F5344CB8AC3E}">
-        <p14:creationId xmlns:p14="http://schemas.microsoft.com/office/powerpoint/2010/main" val="1680141123"/>
+        <p14:creationId xmlns:p14="http://schemas.microsoft.com/office/powerpoint/2010/main" val="3462544143"/>
       </p:ext>
     </p:extLst>
   </p:cSld>
@@ -8924,7 +9286,7 @@
           <a:p>
             <a:r>
               <a:rPr lang="en-US" b="1" dirty="0" smtClean="0"/>
-              <a:t>Thanks!</a:t>
+              <a:t>Why?</a:t>
             </a:r>
             <a:endParaRPr lang="en-US" b="1" dirty="0"/>
           </a:p>
@@ -8942,22 +9304,59 @@
         </p:nvSpPr>
         <p:spPr>
           <a:xfrm>
-            <a:off x="381002" y="3161235"/>
-            <a:ext cx="8410575" cy="757130"/>
+            <a:off x="381002" y="1417638"/>
+            <a:ext cx="8410575" cy="2677656"/>
           </a:xfrm>
         </p:spPr>
         <p:txBody>
           <a:bodyPr/>
           <a:lstStyle/>
           <a:p>
-            <a:pPr algn="ctr">
+            <a:r>
+              <a:rPr lang="en-US" dirty="0" smtClean="0"/>
+              <a:t>Shared Hosting Doesn’t </a:t>
+            </a:r>
+            <a:r>
+              <a:rPr lang="en-US" dirty="0"/>
+              <a:t>(Easily) </a:t>
+            </a:r>
+            <a:r>
+              <a:rPr lang="en-US" dirty="0" smtClean="0"/>
+              <a:t> Scale</a:t>
+            </a:r>
+            <a:endParaRPr lang="en-US" dirty="0" smtClean="0"/>
+          </a:p>
+          <a:p>
+            <a:pPr lvl="1"/>
+            <a:r>
+              <a:rPr lang="en-US" dirty="0" smtClean="0"/>
+              <a:t>503s during the </a:t>
+            </a:r>
+            <a:r>
+              <a:rPr lang="en-US" dirty="0" smtClean="0"/>
+              <a:t>keynote</a:t>
+            </a:r>
+          </a:p>
+          <a:p>
+            <a:pPr lvl="1"/>
+            <a:r>
+              <a:rPr lang="en-US" dirty="0" smtClean="0"/>
+              <a:t>Management of resources was limited</a:t>
+            </a:r>
+          </a:p>
+          <a:p>
+            <a:pPr lvl="1"/>
+            <a:r>
+              <a:rPr lang="en-US" dirty="0" smtClean="0"/>
+              <a:t>Couldn’t divert people to other ‘nodes’</a:t>
+            </a:r>
+            <a:endParaRPr lang="en-US" dirty="0" smtClean="0"/>
+          </a:p>
+          <a:p>
+            <a:pPr marL="0" indent="0">
               <a:buNone/>
             </a:pPr>
-            <a:r>
-              <a:rPr lang="en-US" sz="4800" b="1" dirty="0" smtClean="0"/>
-              <a:t>Questions?</a:t>
-            </a:r>
-            <a:endParaRPr lang="en-US" sz="2800" b="1" dirty="0" smtClean="0"/>
+            <a:endParaRPr lang="en-US" dirty="0" smtClean="0"/>
           </a:p>
         </p:txBody>
       </p:sp>
@@ -8990,7 +9389,313 @@
           </a:p>
         </p:txBody>
       </p:sp>
+      <p:pic>
+        <p:nvPicPr>
+          <p:cNvPr id="5" name="Picture 4"/>
+          <p:cNvPicPr>
+            <a:picLocks noChangeAspect="1"/>
+          </p:cNvPicPr>
+          <p:nvPr/>
+        </p:nvPicPr>
+        <p:blipFill>
+          <a:blip r:embed="rId2">
+            <a:extLst>
+              <a:ext uri="{28A0092B-C50C-407E-A947-70E740481C1C}">
+                <a14:useLocalDpi xmlns:a14="http://schemas.microsoft.com/office/drawing/2010/main" val="0"/>
+              </a:ext>
+            </a:extLst>
+          </a:blip>
+          <a:stretch>
+            <a:fillRect/>
+          </a:stretch>
+        </p:blipFill>
+        <p:spPr>
+          <a:xfrm>
+            <a:off x="2190750" y="4198307"/>
+            <a:ext cx="4762500" cy="1714500"/>
+          </a:xfrm>
+          <a:prstGeom prst="rect">
+            <a:avLst/>
+          </a:prstGeom>
+        </p:spPr>
+      </p:pic>
     </p:spTree>
+    <p:extLst>
+      <p:ext uri="{BB962C8B-B14F-4D97-AF65-F5344CB8AC3E}">
+        <p14:creationId xmlns:p14="http://schemas.microsoft.com/office/powerpoint/2010/main" val="3361921950"/>
+      </p:ext>
+    </p:extLst>
+  </p:cSld>
+  <p:clrMapOvr>
+    <a:masterClrMapping/>
+  </p:clrMapOvr>
+  <p:transition>
+    <p:fade/>
+  </p:transition>
+  <p:timing>
+    <p:tnLst>
+      <p:par>
+        <p:cTn id="1" dur="indefinite" restart="never" nodeType="tmRoot"/>
+      </p:par>
+    </p:tnLst>
+  </p:timing>
+</p:sld>
+</file>
+
+<file path=ppt/slides/slide8.xml><?xml version="1.0" encoding="utf-8"?>
+<p:sld xmlns:a="http://schemas.openxmlformats.org/drawingml/2006/main" xmlns:r="http://schemas.openxmlformats.org/officeDocument/2006/relationships" xmlns:p="http://schemas.openxmlformats.org/presentationml/2006/main">
+  <p:cSld>
+    <p:spTree>
+      <p:nvGrpSpPr>
+        <p:cNvPr id="1" name=""/>
+        <p:cNvGrpSpPr/>
+        <p:nvPr/>
+      </p:nvGrpSpPr>
+      <p:grpSpPr>
+        <a:xfrm>
+          <a:off x="0" y="0"/>
+          <a:ext cx="0" cy="0"/>
+          <a:chOff x="0" y="0"/>
+          <a:chExt cx="0" cy="0"/>
+        </a:xfrm>
+      </p:grpSpPr>
+      <p:sp>
+        <p:nvSpPr>
+          <p:cNvPr id="2" name="Title 1"/>
+          <p:cNvSpPr>
+            <a:spLocks noGrp="1"/>
+          </p:cNvSpPr>
+          <p:nvPr>
+            <p:ph type="title"/>
+          </p:nvPr>
+        </p:nvSpPr>
+        <p:spPr/>
+        <p:txBody>
+          <a:bodyPr/>
+          <a:lstStyle/>
+          <a:p>
+            <a:r>
+              <a:rPr lang="en-US" b="1" dirty="0" smtClean="0"/>
+              <a:t>How?</a:t>
+            </a:r>
+            <a:endParaRPr lang="en-US" b="1" dirty="0"/>
+          </a:p>
+        </p:txBody>
+      </p:sp>
+      <p:sp>
+        <p:nvSpPr>
+          <p:cNvPr id="4" name="Slide Number Placeholder 3"/>
+          <p:cNvSpPr>
+            <a:spLocks noGrp="1"/>
+          </p:cNvSpPr>
+          <p:nvPr>
+            <p:ph type="sldNum" sz="quarter" idx="10"/>
+          </p:nvPr>
+        </p:nvSpPr>
+        <p:spPr/>
+        <p:txBody>
+          <a:bodyPr/>
+          <a:lstStyle/>
+          <a:p>
+            <a:pPr>
+              <a:defRPr/>
+            </a:pPr>
+            <a:fld id="{B63753EC-566D-40B0-951D-58F31B9256E5}" type="slidenum">
+              <a:rPr lang="en-US" smtClean="0"/>
+              <a:pPr>
+                <a:defRPr/>
+              </a:pPr>
+              <a:t>8</a:t>
+            </a:fld>
+            <a:endParaRPr lang="en-US"/>
+          </a:p>
+        </p:txBody>
+      </p:sp>
+      <p:pic>
+        <p:nvPicPr>
+          <p:cNvPr id="5" name="Picture 4"/>
+          <p:cNvPicPr>
+            <a:picLocks noChangeAspect="1"/>
+          </p:cNvPicPr>
+          <p:nvPr/>
+        </p:nvPicPr>
+        <p:blipFill>
+          <a:blip r:embed="rId2">
+            <a:extLst>
+              <a:ext uri="{28A0092B-C50C-407E-A947-70E740481C1C}">
+                <a14:useLocalDpi xmlns:a14="http://schemas.microsoft.com/office/drawing/2010/main" val="0"/>
+              </a:ext>
+            </a:extLst>
+          </a:blip>
+          <a:stretch>
+            <a:fillRect/>
+          </a:stretch>
+        </p:blipFill>
+        <p:spPr>
+          <a:xfrm>
+            <a:off x="2667000" y="1524000"/>
+            <a:ext cx="3810000" cy="3810000"/>
+          </a:xfrm>
+          <a:prstGeom prst="rect">
+            <a:avLst/>
+          </a:prstGeom>
+        </p:spPr>
+      </p:pic>
+    </p:spTree>
+    <p:extLst>
+      <p:ext uri="{BB962C8B-B14F-4D97-AF65-F5344CB8AC3E}">
+        <p14:creationId xmlns:p14="http://schemas.microsoft.com/office/powerpoint/2010/main" val="591604961"/>
+      </p:ext>
+    </p:extLst>
+  </p:cSld>
+  <p:clrMapOvr>
+    <a:masterClrMapping/>
+  </p:clrMapOvr>
+  <p:transition>
+    <p:fade/>
+  </p:transition>
+  <p:timing>
+    <p:tnLst>
+      <p:par>
+        <p:cTn id="1" dur="indefinite" restart="never" nodeType="tmRoot"/>
+      </p:par>
+    </p:tnLst>
+  </p:timing>
+</p:sld>
+</file>
+
+<file path=ppt/slides/slide9.xml><?xml version="1.0" encoding="utf-8"?>
+<p:sld xmlns:a="http://schemas.openxmlformats.org/drawingml/2006/main" xmlns:r="http://schemas.openxmlformats.org/officeDocument/2006/relationships" xmlns:p="http://schemas.openxmlformats.org/presentationml/2006/main">
+  <p:cSld>
+    <p:spTree>
+      <p:nvGrpSpPr>
+        <p:cNvPr id="1" name=""/>
+        <p:cNvGrpSpPr/>
+        <p:nvPr/>
+      </p:nvGrpSpPr>
+      <p:grpSpPr>
+        <a:xfrm>
+          <a:off x="0" y="0"/>
+          <a:ext cx="0" cy="0"/>
+          <a:chOff x="0" y="0"/>
+          <a:chExt cx="0" cy="0"/>
+        </a:xfrm>
+      </p:grpSpPr>
+      <p:sp>
+        <p:nvSpPr>
+          <p:cNvPr id="2" name="Title 1"/>
+          <p:cNvSpPr>
+            <a:spLocks noGrp="1"/>
+          </p:cNvSpPr>
+          <p:nvPr>
+            <p:ph type="title"/>
+          </p:nvPr>
+        </p:nvSpPr>
+        <p:spPr/>
+        <p:txBody>
+          <a:bodyPr/>
+          <a:lstStyle/>
+          <a:p>
+            <a:r>
+              <a:rPr lang="en-US" b="1" dirty="0" smtClean="0"/>
+              <a:t>How?</a:t>
+            </a:r>
+            <a:endParaRPr lang="en-US" b="1" dirty="0"/>
+          </a:p>
+        </p:txBody>
+      </p:sp>
+      <p:sp>
+        <p:nvSpPr>
+          <p:cNvPr id="3" name="Content Placeholder 2"/>
+          <p:cNvSpPr>
+            <a:spLocks noGrp="1"/>
+          </p:cNvSpPr>
+          <p:nvPr>
+            <p:ph idx="1"/>
+          </p:nvPr>
+        </p:nvSpPr>
+        <p:spPr>
+          <a:xfrm>
+            <a:off x="381002" y="1417638"/>
+            <a:ext cx="8410575" cy="2160591"/>
+          </a:xfrm>
+        </p:spPr>
+        <p:txBody>
+          <a:bodyPr/>
+          <a:lstStyle/>
+          <a:p>
+            <a:r>
+              <a:rPr lang="en-US" dirty="0"/>
+              <a:t>Robust DNS</a:t>
+            </a:r>
+          </a:p>
+          <a:p>
+            <a:pPr lvl="1"/>
+            <a:r>
+              <a:rPr lang="en-US" dirty="0"/>
+              <a:t>Leveraging how the web </a:t>
+            </a:r>
+            <a:r>
+              <a:rPr lang="en-US" dirty="0" smtClean="0"/>
+              <a:t>works</a:t>
+            </a:r>
+          </a:p>
+          <a:p>
+            <a:r>
+              <a:rPr lang="en-US" dirty="0" smtClean="0"/>
+              <a:t>Content </a:t>
+            </a:r>
+            <a:r>
+              <a:rPr lang="en-US" dirty="0"/>
+              <a:t>Delivery Network (CDN)</a:t>
+            </a:r>
+            <a:endParaRPr lang="en-US" dirty="0" smtClean="0"/>
+          </a:p>
+          <a:p>
+            <a:pPr lvl="1"/>
+            <a:r>
+              <a:rPr lang="en-US" i="1" dirty="0" smtClean="0"/>
+              <a:t>Bring Mount Fuji ‘closer’…</a:t>
+            </a:r>
+            <a:endParaRPr lang="en-US" i="1" dirty="0"/>
+          </a:p>
+        </p:txBody>
+      </p:sp>
+      <p:sp>
+        <p:nvSpPr>
+          <p:cNvPr id="4" name="Slide Number Placeholder 3"/>
+          <p:cNvSpPr>
+            <a:spLocks noGrp="1"/>
+          </p:cNvSpPr>
+          <p:nvPr>
+            <p:ph type="sldNum" sz="quarter" idx="10"/>
+          </p:nvPr>
+        </p:nvSpPr>
+        <p:spPr/>
+        <p:txBody>
+          <a:bodyPr/>
+          <a:lstStyle/>
+          <a:p>
+            <a:pPr>
+              <a:defRPr/>
+            </a:pPr>
+            <a:fld id="{B63753EC-566D-40B0-951D-58F31B9256E5}" type="slidenum">
+              <a:rPr lang="en-US" smtClean="0"/>
+              <a:pPr>
+                <a:defRPr/>
+              </a:pPr>
+              <a:t>9</a:t>
+            </a:fld>
+            <a:endParaRPr lang="en-US"/>
+          </a:p>
+        </p:txBody>
+      </p:sp>
+    </p:spTree>
+    <p:extLst>
+      <p:ext uri="{BB962C8B-B14F-4D97-AF65-F5344CB8AC3E}">
+        <p14:creationId xmlns:p14="http://schemas.microsoft.com/office/powerpoint/2010/main" val="2173311837"/>
+      </p:ext>
+    </p:extLst>
   </p:cSld>
   <p:clrMapOvr>
     <a:masterClrMapping/>

--- a/slides/CloudScale.pptx
+++ b/slides/CloudScale.pptx
@@ -6,29 +6,30 @@
     <p:sldMasterId id="2147483656" r:id="rId2"/>
   </p:sldMasterIdLst>
   <p:notesMasterIdLst>
-    <p:notesMasterId r:id="rId15"/>
+    <p:notesMasterId r:id="rId16"/>
   </p:notesMasterIdLst>
   <p:handoutMasterIdLst>
-    <p:handoutMasterId r:id="rId16"/>
+    <p:handoutMasterId r:id="rId17"/>
   </p:handoutMasterIdLst>
   <p:sldIdLst>
     <p:sldId id="676" r:id="rId3"/>
-    <p:sldId id="677" r:id="rId4"/>
-    <p:sldId id="698" r:id="rId5"/>
-    <p:sldId id="699" r:id="rId6"/>
-    <p:sldId id="706" r:id="rId7"/>
-    <p:sldId id="707" r:id="rId8"/>
-    <p:sldId id="700" r:id="rId9"/>
-    <p:sldId id="702" r:id="rId10"/>
-    <p:sldId id="703" r:id="rId11"/>
-    <p:sldId id="705" r:id="rId12"/>
-    <p:sldId id="701" r:id="rId13"/>
-    <p:sldId id="696" r:id="rId14"/>
+    <p:sldId id="708" r:id="rId4"/>
+    <p:sldId id="709" r:id="rId5"/>
+    <p:sldId id="677" r:id="rId6"/>
+    <p:sldId id="699" r:id="rId7"/>
+    <p:sldId id="706" r:id="rId8"/>
+    <p:sldId id="707" r:id="rId9"/>
+    <p:sldId id="700" r:id="rId10"/>
+    <p:sldId id="702" r:id="rId11"/>
+    <p:sldId id="703" r:id="rId12"/>
+    <p:sldId id="705" r:id="rId13"/>
+    <p:sldId id="701" r:id="rId14"/>
+    <p:sldId id="696" r:id="rId15"/>
   </p:sldIdLst>
-  <p:sldSz cx="9144000" cy="6858000" type="screen4x3"/>
+  <p:sldSz cx="12192000" cy="6858000"/>
   <p:notesSz cx="9601200" cy="7315200"/>
   <p:custDataLst>
-    <p:tags r:id="rId17"/>
+    <p:tags r:id="rId18"/>
   </p:custDataLst>
   <p:defaultTextStyle>
     <a:defPPr>
@@ -173,12 +174,12 @@
   <p:extLst>
     <p:ext uri="{EFAFB233-063F-42B5-8137-9DF3F51BA10A}">
       <p15:sldGuideLst xmlns:p15="http://schemas.microsoft.com/office/powerpoint/2012/main">
-        <p15:guide id="1" orient="horz" pos="2160">
+        <p15:guide id="1" orient="horz" pos="2160" userDrawn="1">
           <p15:clr>
             <a:srgbClr val="A4A3A4"/>
           </p15:clr>
         </p15:guide>
-        <p15:guide id="2" pos="2880">
+        <p15:guide id="2" pos="3840" userDrawn="1">
           <p15:clr>
             <a:srgbClr val="A4A3A4"/>
           </p15:clr>
@@ -423,11 +424,11 @@
           <c:showBubbleSize val="0"/>
         </c:dLbls>
         <c:smooth val="0"/>
-        <c:axId val="-681461984"/>
-        <c:axId val="-681461440"/>
+        <c:axId val="-1366480656"/>
+        <c:axId val="-1366478480"/>
       </c:lineChart>
       <c:catAx>
-        <c:axId val="-681461984"/>
+        <c:axId val="-1366480656"/>
         <c:scaling>
           <c:orientation val="minMax"/>
         </c:scaling>
@@ -470,7 +471,7 @@
             <a:endParaRPr lang="en-US"/>
           </a:p>
         </c:txPr>
-        <c:crossAx val="-681461440"/>
+        <c:crossAx val="-1366478480"/>
         <c:crosses val="autoZero"/>
         <c:auto val="1"/>
         <c:lblAlgn val="ctr"/>
@@ -478,7 +479,7 @@
         <c:noMultiLvlLbl val="0"/>
       </c:catAx>
       <c:valAx>
-        <c:axId val="-681461440"/>
+        <c:axId val="-1366478480"/>
         <c:scaling>
           <c:orientation val="minMax"/>
         </c:scaling>
@@ -529,7 +530,7 @@
             <a:endParaRPr lang="en-US"/>
           </a:p>
         </c:txPr>
-        <c:crossAx val="-681461984"/>
+        <c:crossAx val="-1366480656"/>
         <c:crosses val="autoZero"/>
         <c:crossBetween val="between"/>
       </c:valAx>
@@ -1204,7 +1205,7 @@
               <a:pPr>
                 <a:defRPr/>
               </a:pPr>
-              <a:t>4/18/2013 10:17 AM</a:t>
+              <a:t>8/14/2014 3:41 PM</a:t>
             </a:fld>
             <a:endParaRPr lang="en-US"/>
           </a:p>
@@ -1419,7 +1420,7 @@
               <a:pPr>
                 <a:defRPr/>
               </a:pPr>
-              <a:t>4/18/2013 10:17 AM</a:t>
+              <a:t>8/14/2014 3:41 PM</a:t>
             </a:fld>
             <a:endParaRPr lang="en-US"/>
           </a:p>
@@ -1437,8 +1438,8 @@
         </p:nvSpPr>
         <p:spPr bwMode="auto">
           <a:xfrm>
-            <a:off x="2971800" y="549275"/>
-            <a:ext cx="3657600" cy="2743200"/>
+            <a:off x="2362200" y="549275"/>
+            <a:ext cx="4876800" cy="2743200"/>
           </a:xfrm>
           <a:prstGeom prst="rect">
             <a:avLst/>
@@ -1824,7 +1825,7 @@
             <a:fld id="{645EDAD1-88E4-4536-AD95-0BFD82EC77E6}" type="datetime8">
               <a:rPr lang="en-US" smtClean="0"/>
               <a:pPr/>
-              <a:t>4/18/2013 10:17 AM</a:t>
+              <a:t>8/14/2014 3:41 PM</a:t>
             </a:fld>
             <a:endParaRPr lang="en-US" smtClean="0"/>
           </a:p>
@@ -1868,8 +1869,8 @@
         </p:nvSpPr>
         <p:spPr>
           <a:xfrm>
-            <a:off x="2971800" y="549275"/>
-            <a:ext cx="3657600" cy="2743200"/>
+            <a:off x="2362200" y="549275"/>
+            <a:ext cx="4876800" cy="2743200"/>
           </a:xfrm>
           <a:ln/>
         </p:spPr>
@@ -1928,8 +1929,8 @@
         </p:nvSpPr>
         <p:spPr>
           <a:xfrm>
-            <a:off x="914401" y="649698"/>
-            <a:ext cx="7991475" cy="729430"/>
+            <a:off x="1219202" y="649698"/>
+            <a:ext cx="10655300" cy="729430"/>
           </a:xfrm>
         </p:spPr>
         <p:txBody>
@@ -1967,8 +1968,8 @@
         </p:nvSpPr>
         <p:spPr>
           <a:xfrm>
-            <a:off x="304800" y="5257800"/>
-            <a:ext cx="8077200" cy="867930"/>
+            <a:off x="406400" y="5257800"/>
+            <a:ext cx="10769600" cy="535531"/>
           </a:xfrm>
         </p:spPr>
         <p:txBody>
@@ -2034,8 +2035,8 @@
         </p:nvSpPr>
         <p:spPr>
           <a:xfrm>
-            <a:off x="381000" y="228600"/>
-            <a:ext cx="8382000" cy="757130"/>
+            <a:off x="508000" y="228600"/>
+            <a:ext cx="11176000" cy="757130"/>
           </a:xfrm>
         </p:spPr>
         <p:txBody>
@@ -2062,8 +2063,8 @@
         </p:nvSpPr>
         <p:spPr>
           <a:xfrm>
-            <a:off x="-4005773" y="1417638"/>
-            <a:ext cx="12797349" cy="1675844"/>
+            <a:off x="-521250" y="1417638"/>
+            <a:ext cx="12243352" cy="1675844"/>
           </a:xfrm>
         </p:spPr>
         <p:txBody>
@@ -2182,7 +2183,7 @@
         </p:nvSpPr>
         <p:spPr>
           <a:xfrm>
-            <a:off x="6612519" y="228600"/>
+            <a:off x="9543045" y="228600"/>
             <a:ext cx="2179058" cy="3403600"/>
           </a:xfrm>
         </p:spPr>
@@ -2210,7 +2211,7 @@
         </p:nvSpPr>
         <p:spPr>
           <a:xfrm>
-            <a:off x="3324139" y="228600"/>
+            <a:off x="5503248" y="228600"/>
             <a:ext cx="3213187" cy="3403600"/>
           </a:xfrm>
         </p:spPr>
@@ -2330,8 +2331,8 @@
         </p:nvSpPr>
         <p:spPr>
           <a:xfrm>
-            <a:off x="685800" y="2130426"/>
-            <a:ext cx="7772400" cy="1470025"/>
+            <a:off x="914400" y="2130427"/>
+            <a:ext cx="10363200" cy="1470025"/>
           </a:xfrm>
         </p:spPr>
         <p:txBody>
@@ -2358,8 +2359,8 @@
         </p:nvSpPr>
         <p:spPr>
           <a:xfrm>
-            <a:off x="1371600" y="3886200"/>
-            <a:ext cx="6400800" cy="1752600"/>
+            <a:off x="1828800" y="3886200"/>
+            <a:ext cx="8534400" cy="1752600"/>
           </a:xfrm>
         </p:spPr>
         <p:txBody>
@@ -2730,8 +2731,8 @@
         </p:nvSpPr>
         <p:spPr>
           <a:xfrm>
-            <a:off x="722313" y="4406900"/>
-            <a:ext cx="7772400" cy="1362075"/>
+            <a:off x="963084" y="4406901"/>
+            <a:ext cx="10363200" cy="1362075"/>
           </a:xfrm>
         </p:spPr>
         <p:txBody>
@@ -2762,8 +2763,8 @@
         </p:nvSpPr>
         <p:spPr>
           <a:xfrm>
-            <a:off x="722313" y="2906714"/>
-            <a:ext cx="7772400" cy="1500187"/>
+            <a:off x="963084" y="2906715"/>
+            <a:ext cx="10363200" cy="1500187"/>
           </a:xfrm>
         </p:spPr>
         <p:txBody>
@@ -2966,8 +2967,8 @@
         </p:nvSpPr>
         <p:spPr>
           <a:xfrm>
-            <a:off x="457200" y="1600201"/>
-            <a:ext cx="4038600" cy="4525963"/>
+            <a:off x="609600" y="1600202"/>
+            <a:ext cx="5384800" cy="4525963"/>
           </a:xfrm>
         </p:spPr>
         <p:txBody>
@@ -3051,8 +3052,8 @@
         </p:nvSpPr>
         <p:spPr>
           <a:xfrm>
-            <a:off x="4648200" y="1600201"/>
-            <a:ext cx="4038600" cy="4525963"/>
+            <a:off x="6197600" y="1600202"/>
+            <a:ext cx="5384800" cy="4525963"/>
           </a:xfrm>
         </p:spPr>
         <p:txBody>
@@ -3279,8 +3280,8 @@
         </p:nvSpPr>
         <p:spPr>
           <a:xfrm>
-            <a:off x="457201" y="1535113"/>
-            <a:ext cx="4040188" cy="639762"/>
+            <a:off x="609602" y="1535113"/>
+            <a:ext cx="5386917" cy="639762"/>
           </a:xfrm>
         </p:spPr>
         <p:txBody>
@@ -3344,8 +3345,8 @@
         </p:nvSpPr>
         <p:spPr>
           <a:xfrm>
-            <a:off x="457201" y="2174875"/>
-            <a:ext cx="4040188" cy="3951288"/>
+            <a:off x="609602" y="2174875"/>
+            <a:ext cx="5386917" cy="3951288"/>
           </a:xfrm>
         </p:spPr>
         <p:txBody>
@@ -3429,8 +3430,8 @@
         </p:nvSpPr>
         <p:spPr>
           <a:xfrm>
-            <a:off x="4645026" y="1535113"/>
-            <a:ext cx="4041775" cy="639762"/>
+            <a:off x="6193369" y="1535113"/>
+            <a:ext cx="5389033" cy="639762"/>
           </a:xfrm>
         </p:spPr>
         <p:txBody>
@@ -3494,8 +3495,8 @@
         </p:nvSpPr>
         <p:spPr>
           <a:xfrm>
-            <a:off x="4645026" y="2174875"/>
-            <a:ext cx="4041775" cy="3951288"/>
+            <a:off x="6193369" y="2174875"/>
+            <a:ext cx="5389033" cy="3951288"/>
           </a:xfrm>
         </p:spPr>
         <p:txBody>
@@ -3950,8 +3951,8 @@
         </p:nvSpPr>
         <p:spPr>
           <a:xfrm>
-            <a:off x="457201" y="273050"/>
-            <a:ext cx="3008313" cy="1162050"/>
+            <a:off x="609602" y="273050"/>
+            <a:ext cx="4011084" cy="1162050"/>
           </a:xfrm>
         </p:spPr>
         <p:txBody>
@@ -3982,8 +3983,8 @@
         </p:nvSpPr>
         <p:spPr>
           <a:xfrm>
-            <a:off x="3575050" y="273051"/>
-            <a:ext cx="5111751" cy="5853113"/>
+            <a:off x="4766734" y="273052"/>
+            <a:ext cx="6815668" cy="5853113"/>
           </a:xfrm>
         </p:spPr>
         <p:txBody>
@@ -4067,8 +4068,8 @@
         </p:nvSpPr>
         <p:spPr>
           <a:xfrm>
-            <a:off x="457201" y="1435101"/>
-            <a:ext cx="3008313" cy="4691063"/>
+            <a:off x="609602" y="1435102"/>
+            <a:ext cx="4011084" cy="4691063"/>
           </a:xfrm>
         </p:spPr>
         <p:txBody>
@@ -4248,8 +4249,8 @@
         </p:nvSpPr>
         <p:spPr>
           <a:xfrm>
-            <a:off x="381000" y="228600"/>
-            <a:ext cx="8382000" cy="757130"/>
+            <a:off x="508000" y="228600"/>
+            <a:ext cx="11176000" cy="757130"/>
           </a:xfrm>
         </p:spPr>
         <p:txBody>
@@ -4391,8 +4392,8 @@
         </p:nvSpPr>
         <p:spPr>
           <a:xfrm>
-            <a:off x="1792288" y="4800601"/>
-            <a:ext cx="5486400" cy="566738"/>
+            <a:off x="2389717" y="4800601"/>
+            <a:ext cx="7315200" cy="566738"/>
           </a:xfrm>
         </p:spPr>
         <p:txBody>
@@ -4423,8 +4424,8 @@
         </p:nvSpPr>
         <p:spPr>
           <a:xfrm>
-            <a:off x="1792288" y="612775"/>
-            <a:ext cx="5486400" cy="4114800"/>
+            <a:off x="2389717" y="612775"/>
+            <a:ext cx="7315200" cy="4114800"/>
           </a:xfrm>
         </p:spPr>
         <p:txBody>
@@ -4485,8 +4486,8 @@
         </p:nvSpPr>
         <p:spPr>
           <a:xfrm>
-            <a:off x="1792288" y="5367339"/>
-            <a:ext cx="5486400" cy="804862"/>
+            <a:off x="2389717" y="5367339"/>
+            <a:ext cx="7315200" cy="804862"/>
           </a:xfrm>
         </p:spPr>
         <p:txBody>
@@ -4857,8 +4858,8 @@
         </p:nvSpPr>
         <p:spPr>
           <a:xfrm>
-            <a:off x="6629400" y="274639"/>
-            <a:ext cx="2057400" cy="5851525"/>
+            <a:off x="8839200" y="274640"/>
+            <a:ext cx="2743200" cy="5851525"/>
           </a:xfrm>
         </p:spPr>
         <p:txBody>
@@ -4885,8 +4886,8 @@
         </p:nvSpPr>
         <p:spPr>
           <a:xfrm>
-            <a:off x="457200" y="274639"/>
-            <a:ext cx="6019800" cy="5851525"/>
+            <a:off x="609600" y="274640"/>
+            <a:ext cx="8026400" cy="5851525"/>
           </a:xfrm>
         </p:spPr>
         <p:txBody>
@@ -5058,8 +5059,8 @@
         </p:nvSpPr>
         <p:spPr>
           <a:xfrm>
-            <a:off x="722313" y="4406901"/>
-            <a:ext cx="7772400" cy="1200329"/>
+            <a:off x="963084" y="4406902"/>
+            <a:ext cx="10363200" cy="646331"/>
           </a:xfrm>
         </p:spPr>
         <p:txBody>
@@ -5090,8 +5091,8 @@
         </p:nvSpPr>
         <p:spPr>
           <a:xfrm>
-            <a:off x="722313" y="4037568"/>
-            <a:ext cx="7772400" cy="369332"/>
+            <a:off x="963084" y="4037568"/>
+            <a:ext cx="10363200" cy="369332"/>
           </a:xfrm>
         </p:spPr>
         <p:txBody>
@@ -5218,8 +5219,8 @@
         </p:nvSpPr>
         <p:spPr>
           <a:xfrm>
-            <a:off x="381000" y="228600"/>
-            <a:ext cx="8382000" cy="757130"/>
+            <a:off x="508000" y="228600"/>
+            <a:ext cx="11176000" cy="757130"/>
           </a:xfrm>
         </p:spPr>
         <p:txBody>
@@ -5246,8 +5247,8 @@
         </p:nvSpPr>
         <p:spPr>
           <a:xfrm>
-            <a:off x="381000" y="1417639"/>
-            <a:ext cx="4129088" cy="2345257"/>
+            <a:off x="508000" y="1417640"/>
+            <a:ext cx="5505451" cy="1957459"/>
           </a:xfrm>
         </p:spPr>
         <p:txBody>
@@ -5331,8 +5332,8 @@
         </p:nvSpPr>
         <p:spPr>
           <a:xfrm>
-            <a:off x="4662490" y="1417639"/>
-            <a:ext cx="4129087" cy="2345257"/>
+            <a:off x="6216654" y="1417640"/>
+            <a:ext cx="5505449" cy="1957459"/>
           </a:xfrm>
         </p:spPr>
         <p:txBody>
@@ -5479,8 +5480,8 @@
         </p:nvSpPr>
         <p:spPr>
           <a:xfrm>
-            <a:off x="457200" y="274638"/>
-            <a:ext cx="8229600" cy="757130"/>
+            <a:off x="609600" y="274638"/>
+            <a:ext cx="10972800" cy="757130"/>
           </a:xfrm>
         </p:spPr>
         <p:txBody>
@@ -5511,8 +5512,8 @@
         </p:nvSpPr>
         <p:spPr>
           <a:xfrm>
-            <a:off x="457201" y="1417745"/>
-            <a:ext cx="4040188" cy="757130"/>
+            <a:off x="609602" y="1750143"/>
+            <a:ext cx="5386917" cy="424732"/>
           </a:xfrm>
         </p:spPr>
         <p:txBody>
@@ -5576,8 +5577,8 @@
         </p:nvSpPr>
         <p:spPr>
           <a:xfrm>
-            <a:off x="457201" y="2174875"/>
-            <a:ext cx="4040188" cy="2049792"/>
+            <a:off x="609602" y="2174875"/>
+            <a:ext cx="5386917" cy="1717393"/>
           </a:xfrm>
         </p:spPr>
         <p:txBody>
@@ -5661,8 +5662,8 @@
         </p:nvSpPr>
         <p:spPr>
           <a:xfrm>
-            <a:off x="4645026" y="1417745"/>
-            <a:ext cx="4041775" cy="757130"/>
+            <a:off x="6193369" y="1750143"/>
+            <a:ext cx="5389033" cy="424732"/>
           </a:xfrm>
         </p:spPr>
         <p:txBody>
@@ -5726,8 +5727,8 @@
         </p:nvSpPr>
         <p:spPr>
           <a:xfrm>
-            <a:off x="4645026" y="2174875"/>
-            <a:ext cx="4041775" cy="2049792"/>
+            <a:off x="6193369" y="2174875"/>
+            <a:ext cx="5389033" cy="1717393"/>
           </a:xfrm>
         </p:spPr>
         <p:txBody>
@@ -5874,8 +5875,8 @@
         </p:nvSpPr>
         <p:spPr>
           <a:xfrm>
-            <a:off x="381000" y="228600"/>
-            <a:ext cx="8382000" cy="757130"/>
+            <a:off x="508000" y="228600"/>
+            <a:ext cx="11176000" cy="757130"/>
           </a:xfrm>
         </p:spPr>
         <p:txBody>
@@ -6028,8 +6029,8 @@
         </p:nvSpPr>
         <p:spPr>
           <a:xfrm>
-            <a:off x="457201" y="788770"/>
-            <a:ext cx="3008313" cy="646331"/>
+            <a:off x="609602" y="1065770"/>
+            <a:ext cx="4011084" cy="369332"/>
           </a:xfrm>
         </p:spPr>
         <p:txBody>
@@ -6060,8 +6061,8 @@
         </p:nvSpPr>
         <p:spPr>
           <a:xfrm>
-            <a:off x="3575050" y="273050"/>
-            <a:ext cx="5111751" cy="2677656"/>
+            <a:off x="4766734" y="273050"/>
+            <a:ext cx="6815668" cy="2234458"/>
           </a:xfrm>
         </p:spPr>
         <p:txBody>
@@ -6145,8 +6146,8 @@
         </p:nvSpPr>
         <p:spPr>
           <a:xfrm>
-            <a:off x="457201" y="1435101"/>
-            <a:ext cx="3008313" cy="286232"/>
+            <a:off x="609602" y="1435101"/>
+            <a:ext cx="4011084" cy="286232"/>
           </a:xfrm>
         </p:spPr>
         <p:txBody>
@@ -6273,8 +6274,8 @@
         </p:nvSpPr>
         <p:spPr>
           <a:xfrm>
-            <a:off x="1792288" y="4998006"/>
-            <a:ext cx="5486400" cy="369332"/>
+            <a:off x="2389717" y="4998006"/>
+            <a:ext cx="7315200" cy="369332"/>
           </a:xfrm>
         </p:spPr>
         <p:txBody>
@@ -6305,8 +6306,8 @@
         </p:nvSpPr>
         <p:spPr>
           <a:xfrm>
-            <a:off x="1792288" y="612775"/>
-            <a:ext cx="5486400" cy="535531"/>
+            <a:off x="2389717" y="612775"/>
+            <a:ext cx="7315200" cy="535531"/>
           </a:xfrm>
         </p:spPr>
         <p:txBody>
@@ -6370,8 +6371,8 @@
         </p:nvSpPr>
         <p:spPr>
           <a:xfrm>
-            <a:off x="1792288" y="5367338"/>
-            <a:ext cx="5486400" cy="286232"/>
+            <a:off x="2389717" y="5367338"/>
+            <a:ext cx="7315200" cy="286232"/>
           </a:xfrm>
         </p:spPr>
         <p:txBody>
@@ -6510,8 +6511,8 @@
         </p:nvSpPr>
         <p:spPr bwMode="auto">
           <a:xfrm>
-            <a:off x="381000" y="228600"/>
-            <a:ext cx="8382000" cy="757130"/>
+            <a:off x="508000" y="228600"/>
+            <a:ext cx="11176000" cy="757130"/>
           </a:xfrm>
           <a:prstGeom prst="rect">
             <a:avLst/>
@@ -6554,8 +6555,8 @@
         </p:nvSpPr>
         <p:spPr bwMode="auto">
           <a:xfrm>
-            <a:off x="381002" y="1417638"/>
-            <a:ext cx="8410575" cy="2234458"/>
+            <a:off x="508003" y="1417638"/>
+            <a:ext cx="11214100" cy="2234458"/>
           </a:xfrm>
           <a:prstGeom prst="rect">
             <a:avLst/>
@@ -6626,8 +6627,8 @@
         </p:nvSpPr>
         <p:spPr bwMode="auto">
           <a:xfrm>
-            <a:off x="6845300" y="6445250"/>
-            <a:ext cx="2133600" cy="476250"/>
+            <a:off x="9127067" y="6445250"/>
+            <a:ext cx="2844800" cy="476250"/>
           </a:xfrm>
           <a:prstGeom prst="rect">
             <a:avLst/>
@@ -7314,8 +7315,8 @@
         </p:nvSpPr>
         <p:spPr bwMode="auto">
           <a:xfrm>
-            <a:off x="457200" y="274638"/>
-            <a:ext cx="8229600" cy="1143000"/>
+            <a:off x="609600" y="274638"/>
+            <a:ext cx="10972800" cy="1143000"/>
           </a:xfrm>
           <a:prstGeom prst="rect">
             <a:avLst/>
@@ -7356,8 +7357,8 @@
         </p:nvSpPr>
         <p:spPr bwMode="auto">
           <a:xfrm>
-            <a:off x="457200" y="1600201"/>
-            <a:ext cx="8229600" cy="4525963"/>
+            <a:off x="609600" y="1600202"/>
+            <a:ext cx="10972800" cy="4525963"/>
           </a:xfrm>
           <a:prstGeom prst="rect">
             <a:avLst/>
@@ -7426,8 +7427,8 @@
         </p:nvSpPr>
         <p:spPr bwMode="auto">
           <a:xfrm>
-            <a:off x="457200" y="6245225"/>
-            <a:ext cx="2133600" cy="476250"/>
+            <a:off x="609600" y="6245225"/>
+            <a:ext cx="2844800" cy="476250"/>
           </a:xfrm>
           <a:prstGeom prst="rect">
             <a:avLst/>
@@ -7480,8 +7481,8 @@
         </p:nvSpPr>
         <p:spPr bwMode="auto">
           <a:xfrm>
-            <a:off x="3124200" y="6245225"/>
-            <a:ext cx="2895600" cy="476250"/>
+            <a:off x="4165600" y="6245225"/>
+            <a:ext cx="3860800" cy="476250"/>
           </a:xfrm>
           <a:prstGeom prst="rect">
             <a:avLst/>
@@ -7534,8 +7535,8 @@
         </p:nvSpPr>
         <p:spPr bwMode="auto">
           <a:xfrm>
-            <a:off x="6553200" y="6245225"/>
-            <a:ext cx="2133600" cy="476250"/>
+            <a:off x="8737600" y="6245225"/>
+            <a:ext cx="2844800" cy="476250"/>
           </a:xfrm>
           <a:prstGeom prst="rect">
             <a:avLst/>
@@ -7998,8 +7999,8 @@
         </p:nvSpPr>
         <p:spPr>
           <a:xfrm>
-            <a:off x="914401" y="649698"/>
-            <a:ext cx="7991475" cy="1311128"/>
+            <a:off x="1981200" y="304800"/>
+            <a:ext cx="10125077" cy="1311128"/>
           </a:xfrm>
         </p:spPr>
         <p:txBody>
@@ -8016,16 +8017,12 @@
               <a:t>Scaling Your Application on the </a:t>
             </a:r>
             <a:r>
-              <a:rPr lang="en-US" sz="4400" b="1" dirty="0" smtClean="0">
+              <a:rPr lang="en-US" sz="4400" b="1" dirty="0">
                 <a:effectLst/>
               </a:rPr>
               <a:t>Cloud</a:t>
             </a:r>
-            <a:endParaRPr lang="en-US" sz="4600" b="1" dirty="0" smtClean="0">
-              <a:solidFill>
-                <a:schemeClr val="tx2"/>
-              </a:solidFill>
-            </a:endParaRPr>
+            <a:endParaRPr lang="en-US" sz="4600" b="1" dirty="0"/>
           </a:p>
         </p:txBody>
       </p:sp>
@@ -8041,7 +8038,7 @@
         </p:nvSpPr>
         <p:spPr>
           <a:xfrm>
-            <a:off x="304800" y="5257800"/>
+            <a:off x="228600" y="5105400"/>
             <a:ext cx="8077200" cy="1421928"/>
           </a:xfrm>
         </p:spPr>
@@ -8076,7 +8073,7 @@
               <a:t>j</a:t>
             </a:r>
             <a:r>
-              <a:rPr lang="en-US" sz="2400" b="1" dirty="0" smtClean="0">
+              <a:rPr lang="en-US" sz="2400" b="1" dirty="0">
                 <a:solidFill>
                   <a:schemeClr val="tx2"/>
                 </a:solidFill>
@@ -8090,7 +8087,7 @@
               <a:defRPr/>
             </a:pPr>
             <a:r>
-              <a:rPr lang="en-US" sz="2400" b="1" dirty="0" smtClean="0">
+              <a:rPr lang="en-US" sz="2400" b="1" dirty="0">
                 <a:solidFill>
                   <a:schemeClr val="tx2"/>
                 </a:solidFill>
@@ -8098,14 +8095,14 @@
               <a:t>@</a:t>
             </a:r>
             <a:r>
-              <a:rPr lang="en-US" sz="2400" b="1" dirty="0" err="1" smtClean="0">
+              <a:rPr lang="en-US" sz="2400" b="1" dirty="0" err="1">
                 <a:solidFill>
                   <a:schemeClr val="tx2"/>
                 </a:solidFill>
               </a:rPr>
               <a:t>jglozano</a:t>
             </a:r>
-            <a:endParaRPr lang="en-US" sz="2400" b="1" dirty="0" smtClean="0">
+            <a:endParaRPr lang="en-US" sz="2400" b="1" dirty="0">
               <a:solidFill>
                 <a:schemeClr val="tx2"/>
               </a:solidFill>
@@ -8183,8 +8180,8 @@
         </p:nvSpPr>
         <p:spPr>
           <a:xfrm>
-            <a:off x="381002" y="1417638"/>
-            <a:ext cx="8410575" cy="2603790"/>
+            <a:off x="508000" y="985730"/>
+            <a:ext cx="8410575" cy="2160591"/>
           </a:xfrm>
         </p:spPr>
         <p:txBody>
@@ -8192,45 +8189,39 @@
           <a:lstStyle/>
           <a:p>
             <a:r>
+              <a:rPr lang="en-US" dirty="0"/>
+              <a:t>Robust DNS</a:t>
+            </a:r>
+          </a:p>
+          <a:p>
+            <a:pPr lvl="1"/>
+            <a:r>
+              <a:rPr lang="en-US" dirty="0"/>
+              <a:t>Leveraging how the web </a:t>
+            </a:r>
+            <a:r>
               <a:rPr lang="en-US" dirty="0" smtClean="0"/>
-              <a:t>Ad-hoc Provisioning</a:t>
-            </a:r>
+              <a:t>works</a:t>
+            </a:r>
+          </a:p>
+          <a:p>
+            <a:r>
+              <a:rPr lang="en-US" dirty="0" smtClean="0"/>
+              <a:t>Content </a:t>
+            </a:r>
+            <a:r>
+              <a:rPr lang="en-US" dirty="0"/>
+              <a:t>Delivery Network (CDN)</a:t>
+            </a:r>
+            <a:endParaRPr lang="en-US" dirty="0" smtClean="0"/>
           </a:p>
           <a:p>
             <a:pPr lvl="1"/>
             <a:r>
-              <a:rPr lang="en-US" dirty="0" smtClean="0"/>
-              <a:t>Instance bursting/sizing</a:t>
-            </a:r>
-          </a:p>
-          <a:p>
-            <a:r>
-              <a:rPr lang="en-US" dirty="0" smtClean="0"/>
-              <a:t>Re-thinking paradigm</a:t>
-            </a:r>
-          </a:p>
-          <a:p>
-            <a:pPr lvl="1"/>
-            <a:r>
-              <a:rPr lang="en-US" dirty="0" smtClean="0"/>
-              <a:t>Re-work</a:t>
-            </a:r>
-          </a:p>
-          <a:p>
-            <a:pPr lvl="1"/>
-            <a:r>
-              <a:rPr lang="en-US" sz="2400" b="1" i="1" dirty="0"/>
-              <a:t>C</a:t>
-            </a:r>
-            <a:r>
-              <a:rPr lang="en-US" sz="2400" b="1" i="1" dirty="0" smtClean="0"/>
-              <a:t>rappy code in the cloud costs money</a:t>
-            </a:r>
-            <a:r>
-              <a:rPr lang="en-US" sz="2400" i="1" dirty="0" smtClean="0"/>
-              <a:t> – Scott Hanselman</a:t>
-            </a:r>
-            <a:endParaRPr lang="en-US" sz="2400" i="1" dirty="0"/>
+              <a:rPr lang="en-US" i="1" dirty="0" smtClean="0"/>
+              <a:t>Bring Mount Fuji ‘closer’…</a:t>
+            </a:r>
+            <a:endParaRPr lang="en-US" i="1" dirty="0"/>
           </a:p>
         </p:txBody>
       </p:sp>
@@ -8266,7 +8257,7 @@
     </p:spTree>
     <p:extLst>
       <p:ext uri="{BB962C8B-B14F-4D97-AF65-F5344CB8AC3E}">
-        <p14:creationId xmlns:p14="http://schemas.microsoft.com/office/powerpoint/2010/main" val="2565774510"/>
+        <p14:creationId xmlns:p14="http://schemas.microsoft.com/office/powerpoint/2010/main" val="2173311837"/>
       </p:ext>
     </p:extLst>
   </p:cSld>
@@ -8338,27 +8329,54 @@
         </p:nvSpPr>
         <p:spPr>
           <a:xfrm>
-            <a:off x="381002" y="2588770"/>
-            <a:ext cx="8410575" cy="1680460"/>
+            <a:off x="508000" y="985730"/>
+            <a:ext cx="8410575" cy="2603790"/>
           </a:xfrm>
         </p:spPr>
         <p:txBody>
-          <a:bodyPr anchor="ctr"/>
+          <a:bodyPr/>
           <a:lstStyle/>
           <a:p>
-            <a:pPr marL="0" indent="0" algn="ctr">
-              <a:buNone/>
-            </a:pPr>
-            <a:r>
-              <a:rPr lang="en-US" sz="7200" dirty="0" smtClean="0"/>
-              <a:t>DEMO</a:t>
-            </a:r>
-          </a:p>
-          <a:p>
-            <a:pPr marL="0" indent="0">
-              <a:buNone/>
-            </a:pPr>
-            <a:endParaRPr lang="en-US" dirty="0" smtClean="0"/>
+            <a:r>
+              <a:rPr lang="en-US" dirty="0" smtClean="0"/>
+              <a:t>Ad-hoc Provisioning</a:t>
+            </a:r>
+          </a:p>
+          <a:p>
+            <a:pPr lvl="1"/>
+            <a:r>
+              <a:rPr lang="en-US" dirty="0" smtClean="0"/>
+              <a:t>Instance bursting/sizing</a:t>
+            </a:r>
+          </a:p>
+          <a:p>
+            <a:r>
+              <a:rPr lang="en-US" dirty="0" smtClean="0"/>
+              <a:t>Re-thinking paradigm</a:t>
+            </a:r>
+          </a:p>
+          <a:p>
+            <a:pPr lvl="1"/>
+            <a:r>
+              <a:rPr lang="en-US" dirty="0" smtClean="0"/>
+              <a:t>Re-work</a:t>
+            </a:r>
+          </a:p>
+          <a:p>
+            <a:pPr lvl="1"/>
+            <a:r>
+              <a:rPr lang="en-US" sz="2400" b="1" i="1" dirty="0"/>
+              <a:t>C</a:t>
+            </a:r>
+            <a:r>
+              <a:rPr lang="en-US" sz="2400" b="1" i="1" dirty="0"/>
+              <a:t>rappy code in the cloud costs money</a:t>
+            </a:r>
+            <a:r>
+              <a:rPr lang="en-US" sz="2400" i="1" dirty="0"/>
+              <a:t> – Scott Hanselman</a:t>
+            </a:r>
+            <a:endParaRPr lang="en-US" sz="2400" i="1" dirty="0"/>
           </a:p>
         </p:txBody>
       </p:sp>
@@ -8394,7 +8412,7 @@
     </p:spTree>
     <p:extLst>
       <p:ext uri="{BB962C8B-B14F-4D97-AF65-F5344CB8AC3E}">
-        <p14:creationId xmlns:p14="http://schemas.microsoft.com/office/powerpoint/2010/main" val="1680141123"/>
+        <p14:creationId xmlns:p14="http://schemas.microsoft.com/office/powerpoint/2010/main" val="2565774510"/>
       </p:ext>
     </p:extLst>
   </p:cSld>
@@ -8448,7 +8466,7 @@
           <a:p>
             <a:r>
               <a:rPr lang="en-US" b="1" dirty="0" smtClean="0"/>
-              <a:t>Thanks!</a:t>
+              <a:t>How?</a:t>
             </a:r>
             <a:endParaRPr lang="en-US" b="1" dirty="0"/>
           </a:p>
@@ -8466,22 +8484,27 @@
         </p:nvSpPr>
         <p:spPr>
           <a:xfrm>
-            <a:off x="381002" y="3161235"/>
-            <a:ext cx="8410575" cy="757130"/>
+            <a:off x="1905003" y="2588770"/>
+            <a:ext cx="8410575" cy="1680460"/>
           </a:xfrm>
         </p:spPr>
         <p:txBody>
-          <a:bodyPr/>
+          <a:bodyPr anchor="ctr"/>
           <a:lstStyle/>
           <a:p>
-            <a:pPr algn="ctr">
+            <a:pPr marL="0" indent="0" algn="ctr">
               <a:buNone/>
             </a:pPr>
             <a:r>
-              <a:rPr lang="en-US" sz="4800" b="1" dirty="0" smtClean="0"/>
-              <a:t>Questions?</a:t>
-            </a:r>
-            <a:endParaRPr lang="en-US" sz="2800" b="1" dirty="0" smtClean="0"/>
+              <a:rPr lang="en-US" sz="7200" dirty="0"/>
+              <a:t>DEMO</a:t>
+            </a:r>
+          </a:p>
+          <a:p>
+            <a:pPr marL="0" indent="0">
+              <a:buNone/>
+            </a:pPr>
+            <a:endParaRPr lang="en-US" dirty="0" smtClean="0"/>
           </a:p>
         </p:txBody>
       </p:sp>
@@ -8509,6 +8532,129 @@
                 <a:defRPr/>
               </a:pPr>
               <a:t>12</a:t>
+            </a:fld>
+            <a:endParaRPr lang="en-US"/>
+          </a:p>
+        </p:txBody>
+      </p:sp>
+    </p:spTree>
+    <p:extLst>
+      <p:ext uri="{BB962C8B-B14F-4D97-AF65-F5344CB8AC3E}">
+        <p14:creationId xmlns:p14="http://schemas.microsoft.com/office/powerpoint/2010/main" val="1680141123"/>
+      </p:ext>
+    </p:extLst>
+  </p:cSld>
+  <p:clrMapOvr>
+    <a:masterClrMapping/>
+  </p:clrMapOvr>
+  <p:transition>
+    <p:fade/>
+  </p:transition>
+  <p:timing>
+    <p:tnLst>
+      <p:par>
+        <p:cTn id="1" dur="indefinite" restart="never" nodeType="tmRoot"/>
+      </p:par>
+    </p:tnLst>
+  </p:timing>
+</p:sld>
+</file>
+
+<file path=ppt/slides/slide13.xml><?xml version="1.0" encoding="utf-8"?>
+<p:sld xmlns:a="http://schemas.openxmlformats.org/drawingml/2006/main" xmlns:r="http://schemas.openxmlformats.org/officeDocument/2006/relationships" xmlns:p="http://schemas.openxmlformats.org/presentationml/2006/main">
+  <p:cSld>
+    <p:spTree>
+      <p:nvGrpSpPr>
+        <p:cNvPr id="1" name=""/>
+        <p:cNvGrpSpPr/>
+        <p:nvPr/>
+      </p:nvGrpSpPr>
+      <p:grpSpPr>
+        <a:xfrm>
+          <a:off x="0" y="0"/>
+          <a:ext cx="0" cy="0"/>
+          <a:chOff x="0" y="0"/>
+          <a:chExt cx="0" cy="0"/>
+        </a:xfrm>
+      </p:grpSpPr>
+      <p:sp>
+        <p:nvSpPr>
+          <p:cNvPr id="2" name="Title 1"/>
+          <p:cNvSpPr>
+            <a:spLocks noGrp="1"/>
+          </p:cNvSpPr>
+          <p:nvPr>
+            <p:ph type="title"/>
+          </p:nvPr>
+        </p:nvSpPr>
+        <p:spPr/>
+        <p:txBody>
+          <a:bodyPr/>
+          <a:lstStyle/>
+          <a:p>
+            <a:r>
+              <a:rPr lang="en-US" b="1" dirty="0" smtClean="0"/>
+              <a:t>Thanks!</a:t>
+            </a:r>
+            <a:endParaRPr lang="en-US" b="1" dirty="0"/>
+          </a:p>
+        </p:txBody>
+      </p:sp>
+      <p:sp>
+        <p:nvSpPr>
+          <p:cNvPr id="3" name="Content Placeholder 2"/>
+          <p:cNvSpPr>
+            <a:spLocks noGrp="1"/>
+          </p:cNvSpPr>
+          <p:nvPr>
+            <p:ph idx="1"/>
+          </p:nvPr>
+        </p:nvSpPr>
+        <p:spPr>
+          <a:xfrm>
+            <a:off x="1905003" y="3161235"/>
+            <a:ext cx="8410575" cy="757130"/>
+          </a:xfrm>
+        </p:spPr>
+        <p:txBody>
+          <a:bodyPr/>
+          <a:lstStyle/>
+          <a:p>
+            <a:pPr algn="ctr">
+              <a:buNone/>
+            </a:pPr>
+            <a:r>
+              <a:rPr lang="en-US" sz="4800" b="1" dirty="0"/>
+              <a:t>Questions?</a:t>
+            </a:r>
+            <a:endParaRPr lang="en-US" sz="2800" b="1" dirty="0"/>
+          </a:p>
+        </p:txBody>
+      </p:sp>
+      <p:sp>
+        <p:nvSpPr>
+          <p:cNvPr id="4" name="Slide Number Placeholder 3"/>
+          <p:cNvSpPr>
+            <a:spLocks noGrp="1"/>
+          </p:cNvSpPr>
+          <p:nvPr>
+            <p:ph type="sldNum" sz="quarter" idx="10"/>
+          </p:nvPr>
+        </p:nvSpPr>
+        <p:spPr/>
+        <p:txBody>
+          <a:bodyPr/>
+          <a:lstStyle/>
+          <a:p>
+            <a:pPr>
+              <a:defRPr/>
+            </a:pPr>
+            <a:fld id="{B63753EC-566D-40B0-951D-58F31B9256E5}" type="slidenum">
+              <a:rPr lang="en-US" smtClean="0"/>
+              <a:pPr>
+                <a:defRPr/>
+              </a:pPr>
+              <a:t>13</a:t>
             </a:fld>
             <a:endParaRPr lang="en-US"/>
           </a:p>
@@ -8559,14 +8705,19 @@
             <p:ph type="title"/>
           </p:nvPr>
         </p:nvSpPr>
-        <p:spPr/>
+        <p:spPr>
+          <a:xfrm>
+            <a:off x="508000" y="228601"/>
+            <a:ext cx="11176000" cy="757130"/>
+          </a:xfrm>
+        </p:spPr>
         <p:txBody>
           <a:bodyPr/>
           <a:lstStyle/>
           <a:p>
             <a:r>
               <a:rPr lang="en-US" b="1" dirty="0" smtClean="0"/>
-              <a:t>Agenda</a:t>
+              <a:t>Goal</a:t>
             </a:r>
             <a:endParaRPr lang="en-US" b="1" dirty="0"/>
           </a:p>
@@ -8584,57 +8735,49 @@
         </p:nvSpPr>
         <p:spPr>
           <a:xfrm>
-            <a:off x="381002" y="1417638"/>
-            <a:ext cx="8410575" cy="1126462"/>
+            <a:off x="488953" y="2196869"/>
+            <a:ext cx="11214100" cy="2012859"/>
           </a:xfrm>
         </p:spPr>
         <p:txBody>
           <a:bodyPr/>
           <a:lstStyle/>
           <a:p>
-            <a:r>
-              <a:rPr lang="en-US" dirty="0" smtClean="0"/>
-              <a:t>Why?</a:t>
-            </a:r>
-          </a:p>
-          <a:p>
-            <a:r>
-              <a:rPr lang="en-US" dirty="0" smtClean="0"/>
-              <a:t>How?</a:t>
-            </a:r>
-          </a:p>
-        </p:txBody>
-      </p:sp>
-      <p:sp>
-        <p:nvSpPr>
-          <p:cNvPr id="4" name="Slide Number Placeholder 3"/>
-          <p:cNvSpPr>
-            <a:spLocks noGrp="1"/>
-          </p:cNvSpPr>
-          <p:nvPr>
-            <p:ph type="sldNum" sz="quarter" idx="10"/>
-          </p:nvPr>
-        </p:nvSpPr>
-        <p:spPr/>
-        <p:txBody>
-          <a:bodyPr/>
-          <a:lstStyle/>
-          <a:p>
-            <a:pPr>
-              <a:defRPr/>
+            <a:pPr marL="0" indent="0">
+              <a:buNone/>
             </a:pPr>
-            <a:fld id="{B63753EC-566D-40B0-951D-58F31B9256E5}" type="slidenum">
-              <a:rPr lang="en-US" smtClean="0"/>
-              <a:pPr>
-                <a:defRPr/>
-              </a:pPr>
-              <a:t>2</a:t>
-            </a:fld>
-            <a:endParaRPr lang="en-US"/>
+            <a:r>
+              <a:rPr lang="en-US" b="1" i="1" dirty="0" smtClean="0"/>
+              <a:t>Get a basic understanding </a:t>
+            </a:r>
+            <a:r>
+              <a:rPr lang="en-US" b="1" i="1" dirty="0" smtClean="0"/>
+              <a:t>of how using the “Cloud” can shape your applications and operations.</a:t>
+            </a:r>
+            <a:endParaRPr lang="en-US" b="1" i="1" dirty="0" smtClean="0"/>
+          </a:p>
+          <a:p>
+            <a:pPr marL="0" indent="0">
+              <a:buNone/>
+            </a:pPr>
+            <a:r>
+              <a:rPr lang="en-US" b="1" i="1" dirty="0" smtClean="0"/>
+              <a:t>Spark ideas about </a:t>
+            </a:r>
+            <a:r>
+              <a:rPr lang="en-US" b="1" i="1" dirty="0" smtClean="0"/>
+              <a:t>you can do a lot more with less by stepping away from your app/service.</a:t>
+            </a:r>
+            <a:endParaRPr lang="en-US" b="1" i="1" dirty="0"/>
           </a:p>
         </p:txBody>
       </p:sp>
     </p:spTree>
+    <p:extLst>
+      <p:ext uri="{BB962C8B-B14F-4D97-AF65-F5344CB8AC3E}">
+        <p14:creationId xmlns:p14="http://schemas.microsoft.com/office/powerpoint/2010/main" val="1029293247"/>
+      </p:ext>
+    </p:extLst>
   </p:cSld>
   <p:clrMapOvr>
     <a:masterClrMapping/>
@@ -8704,87 +8847,274 @@
         </p:nvSpPr>
         <p:spPr>
           <a:xfrm>
-            <a:off x="381002" y="1417638"/>
-            <a:ext cx="8410575" cy="2973122"/>
+            <a:off x="503518" y="999177"/>
+            <a:ext cx="6400796" cy="1717393"/>
           </a:xfrm>
         </p:spPr>
         <p:txBody>
           <a:bodyPr/>
           <a:lstStyle/>
           <a:p>
-            <a:r>
-              <a:rPr lang="en-US" dirty="0" smtClean="0"/>
+            <a:pPr marL="0" indent="0">
+              <a:buNone/>
+            </a:pPr>
+            <a:r>
+              <a:rPr lang="en-US" b="1" dirty="0" smtClean="0"/>
               <a:t>javier@lozanotek.com</a:t>
             </a:r>
           </a:p>
           <a:p>
-            <a:r>
-              <a:rPr lang="en-US" dirty="0" smtClean="0"/>
-              <a:t>@</a:t>
-            </a:r>
-            <a:r>
-              <a:rPr lang="en-US" dirty="0" err="1" smtClean="0"/>
-              <a:t>jglozano</a:t>
-            </a:r>
-            <a:endParaRPr lang="en-US" dirty="0" smtClean="0"/>
-          </a:p>
-          <a:p>
-            <a:r>
-              <a:rPr lang="en-US" dirty="0" smtClean="0"/>
-              <a:t>http://lozanotek.com/blog</a:t>
-            </a:r>
-          </a:p>
-          <a:p>
-            <a:endParaRPr lang="en-US" dirty="0" smtClean="0"/>
-          </a:p>
-          <a:p>
-            <a:pPr marL="0" indent="0" algn="ctr">
+            <a:pPr marL="0" indent="0">
               <a:buNone/>
             </a:pPr>
             <a:r>
-              <a:rPr lang="en-US" sz="3600" b="1" dirty="0" smtClean="0"/>
-              <a:t>https://github.com/lozanotek/cloudscale</a:t>
-            </a:r>
-          </a:p>
-        </p:txBody>
-      </p:sp>
-      <p:sp>
-        <p:nvSpPr>
-          <p:cNvPr id="4" name="Slide Number Placeholder 3"/>
-          <p:cNvSpPr>
-            <a:spLocks noGrp="1"/>
-          </p:cNvSpPr>
-          <p:nvPr>
-            <p:ph type="sldNum" sz="quarter" idx="10"/>
-          </p:nvPr>
-        </p:nvSpPr>
-        <p:spPr/>
-        <p:txBody>
-          <a:bodyPr/>
+              <a:rPr lang="en-US" b="1" dirty="0" smtClean="0"/>
+              <a:t>@jglozano</a:t>
+            </a:r>
+          </a:p>
+          <a:p>
+            <a:pPr marL="0" indent="0">
+              <a:buNone/>
+            </a:pPr>
+            <a:r>
+              <a:rPr lang="en-US" b="1" dirty="0" smtClean="0"/>
+              <a:t>http://jglozano.io</a:t>
+            </a:r>
+          </a:p>
+        </p:txBody>
+      </p:sp>
+      <p:pic>
+        <p:nvPicPr>
+          <p:cNvPr id="5" name="Picture 2" descr="C:\Users\javier\Pictures\mvp_logo.jpg"/>
+          <p:cNvPicPr>
+            <a:picLocks noChangeAspect="1" noChangeArrowheads="1"/>
+          </p:cNvPicPr>
+          <p:nvPr/>
+        </p:nvPicPr>
+        <p:blipFill>
+          <a:blip r:embed="rId2" cstate="print"/>
+          <a:srcRect/>
+          <a:stretch>
+            <a:fillRect/>
+          </a:stretch>
+        </p:blipFill>
+        <p:spPr bwMode="auto">
+          <a:xfrm>
+            <a:off x="8549451" y="1828800"/>
+            <a:ext cx="3115733" cy="945848"/>
+          </a:xfrm>
+          <a:prstGeom prst="rect">
+            <a:avLst/>
+          </a:prstGeom>
+          <a:noFill/>
+          <a:ln w="9525">
+            <a:noFill/>
+            <a:miter lim="800000"/>
+            <a:headEnd/>
+            <a:tailEnd/>
+          </a:ln>
+        </p:spPr>
+      </p:pic>
+      <p:pic>
+        <p:nvPicPr>
+          <p:cNvPr id="6" name="Picture 3" descr="C:\Users\javier\Pictures\aspinsiders_logo.gif"/>
+          <p:cNvPicPr>
+            <a:picLocks noChangeAspect="1" noChangeArrowheads="1"/>
+          </p:cNvPicPr>
+          <p:nvPr/>
+        </p:nvPicPr>
+        <p:blipFill>
+          <a:blip r:embed="rId3" cstate="print"/>
+          <a:srcRect/>
+          <a:stretch>
+            <a:fillRect/>
+          </a:stretch>
+        </p:blipFill>
+        <p:spPr bwMode="auto">
+          <a:xfrm>
+            <a:off x="8842962" y="736600"/>
+            <a:ext cx="2822223" cy="762000"/>
+          </a:xfrm>
+          <a:prstGeom prst="rect">
+            <a:avLst/>
+          </a:prstGeom>
+          <a:noFill/>
+          <a:ln w="9525">
+            <a:noFill/>
+            <a:miter lim="800000"/>
+            <a:headEnd/>
+            <a:tailEnd/>
+          </a:ln>
+        </p:spPr>
+      </p:pic>
+      <p:sp>
+        <p:nvSpPr>
+          <p:cNvPr id="7" name="TextBox 6"/>
+          <p:cNvSpPr txBox="1"/>
+          <p:nvPr/>
+        </p:nvSpPr>
+        <p:spPr>
+          <a:xfrm>
+            <a:off x="508000" y="5013505"/>
+            <a:ext cx="6426759" cy="461793"/>
+          </a:xfrm>
+          <a:prstGeom prst="rect">
+            <a:avLst/>
+          </a:prstGeom>
+          <a:noFill/>
+        </p:spPr>
+        <p:txBody>
+          <a:bodyPr wrap="none" rtlCol="0">
+            <a:spAutoFit/>
+          </a:bodyPr>
           <a:lstStyle/>
           <a:p>
-            <a:pPr>
-              <a:defRPr/>
-            </a:pPr>
-            <a:fld id="{B63753EC-566D-40B0-951D-58F31B9256E5}" type="slidenum">
-              <a:rPr lang="en-US" smtClean="0"/>
-              <a:pPr>
-                <a:defRPr/>
-              </a:pPr>
-              <a:t>3</a:t>
-            </a:fld>
-            <a:endParaRPr lang="en-US"/>
+            <a:r>
+              <a:rPr lang="en-US" sz="2800" b="1" dirty="0">
+                <a:latin typeface="+mn-lt"/>
+              </a:rPr>
+              <a:t>https:</a:t>
+            </a:r>
+            <a:r>
+              <a:rPr lang="en-US" sz="2800" b="1" dirty="0">
+                <a:latin typeface="+mn-lt"/>
+              </a:rPr>
+              <a:t>//</a:t>
+            </a:r>
+            <a:r>
+              <a:rPr lang="en-US" sz="2800" b="1" dirty="0" smtClean="0">
+                <a:latin typeface="+mn-lt"/>
+              </a:rPr>
+              <a:t>github.com/lozanotek/CloudScale</a:t>
+            </a:r>
+            <a:endParaRPr lang="en-US" sz="2800" b="1" dirty="0">
+              <a:latin typeface="+mn-lt"/>
+            </a:endParaRPr>
+          </a:p>
+        </p:txBody>
+      </p:sp>
+      <p:pic>
+        <p:nvPicPr>
+          <p:cNvPr id="8" name="Picture 7"/>
+          <p:cNvPicPr>
+            <a:picLocks noChangeAspect="1"/>
+          </p:cNvPicPr>
+          <p:nvPr/>
+        </p:nvPicPr>
+        <p:blipFill>
+          <a:blip r:embed="rId4"/>
+          <a:stretch>
+            <a:fillRect/>
+          </a:stretch>
+        </p:blipFill>
+        <p:spPr>
+          <a:xfrm>
+            <a:off x="7620000" y="2946400"/>
+            <a:ext cx="4045185" cy="1092200"/>
+          </a:xfrm>
+          <a:prstGeom prst="rect">
+            <a:avLst/>
+          </a:prstGeom>
+        </p:spPr>
+      </p:pic>
+      <p:pic>
+        <p:nvPicPr>
+          <p:cNvPr id="10" name="Picture 9"/>
+          <p:cNvPicPr>
+            <a:picLocks noChangeAspect="1"/>
+          </p:cNvPicPr>
+          <p:nvPr/>
+        </p:nvPicPr>
+        <p:blipFill>
+          <a:blip r:embed="rId5" cstate="print">
+            <a:extLst>
+              <a:ext uri="{28A0092B-C50C-407E-A947-70E740481C1C}">
+                <a14:useLocalDpi xmlns:a14="http://schemas.microsoft.com/office/drawing/2010/main" val="0"/>
+              </a:ext>
+            </a:extLst>
+          </a:blip>
+          <a:stretch>
+            <a:fillRect/>
+          </a:stretch>
+        </p:blipFill>
+        <p:spPr>
+          <a:xfrm>
+            <a:off x="7620000" y="4153867"/>
+            <a:ext cx="4045185" cy="1090535"/>
+          </a:xfrm>
+          <a:prstGeom prst="rect">
+            <a:avLst/>
+          </a:prstGeom>
+        </p:spPr>
+      </p:pic>
+      <p:sp>
+        <p:nvSpPr>
+          <p:cNvPr id="9" name="TextBox 8"/>
+          <p:cNvSpPr txBox="1"/>
+          <p:nvPr/>
+        </p:nvSpPr>
+        <p:spPr>
+          <a:xfrm>
+            <a:off x="503518" y="5475298"/>
+            <a:ext cx="7430239" cy="458587"/>
+          </a:xfrm>
+          <a:prstGeom prst="rect">
+            <a:avLst/>
+          </a:prstGeom>
+          <a:noFill/>
+        </p:spPr>
+        <p:txBody>
+          <a:bodyPr wrap="none" rtlCol="0">
+            <a:spAutoFit/>
+          </a:bodyPr>
+          <a:lstStyle/>
+          <a:p>
+            <a:r>
+              <a:rPr lang="en-US" sz="2800" b="1" dirty="0">
+                <a:latin typeface="+mn-lt"/>
+              </a:rPr>
+              <a:t>https:</a:t>
+            </a:r>
+            <a:r>
+              <a:rPr lang="en-US" sz="2800" b="1" dirty="0">
+                <a:latin typeface="+mn-lt"/>
+              </a:rPr>
+              <a:t>//</a:t>
+            </a:r>
+            <a:r>
+              <a:rPr lang="en-US" sz="2800" b="1" dirty="0" smtClean="0">
+                <a:latin typeface="+mn-lt"/>
+              </a:rPr>
+              <a:t>github.com/lozanotek/CloudScale-Demo</a:t>
+            </a:r>
+            <a:endParaRPr lang="en-US" sz="2800" b="1" dirty="0">
+              <a:latin typeface="+mn-lt"/>
+            </a:endParaRPr>
           </a:p>
         </p:txBody>
       </p:sp>
     </p:spTree>
+    <p:extLst>
+      <p:ext uri="{BB962C8B-B14F-4D97-AF65-F5344CB8AC3E}">
+        <p14:creationId xmlns:p14="http://schemas.microsoft.com/office/powerpoint/2010/main" val="4286271154"/>
+      </p:ext>
+    </p:extLst>
   </p:cSld>
   <p:clrMapOvr>
     <a:masterClrMapping/>
   </p:clrMapOvr>
-  <p:transition>
-    <p:fade/>
-  </p:transition>
+  <mc:AlternateContent xmlns:mc="http://schemas.openxmlformats.org/markup-compatibility/2006">
+    <mc:Choice xmlns:p14="http://schemas.microsoft.com/office/powerpoint/2010/main" Requires="p14">
+      <p:transition spd="med" p14:dur="700">
+        <p:fade/>
+      </p:transition>
+    </mc:Choice>
+    <mc:Fallback>
+      <p:transition spd="med">
+        <p:fade/>
+      </p:transition>
+    </mc:Fallback>
+  </mc:AlternateContent>
   <p:timing>
     <p:tnLst>
       <p:par>
@@ -8829,9 +9159,42 @@
           <a:p>
             <a:r>
               <a:rPr lang="en-US" b="1" dirty="0" smtClean="0"/>
+              <a:t>Agenda</a:t>
+            </a:r>
+            <a:endParaRPr lang="en-US" b="1" dirty="0"/>
+          </a:p>
+        </p:txBody>
+      </p:sp>
+      <p:sp>
+        <p:nvSpPr>
+          <p:cNvPr id="3" name="Content Placeholder 2"/>
+          <p:cNvSpPr>
+            <a:spLocks noGrp="1"/>
+          </p:cNvSpPr>
+          <p:nvPr>
+            <p:ph idx="1"/>
+          </p:nvPr>
+        </p:nvSpPr>
+        <p:spPr>
+          <a:xfrm>
+            <a:off x="508000" y="1295400"/>
+            <a:ext cx="8410575" cy="1126462"/>
+          </a:xfrm>
+        </p:spPr>
+        <p:txBody>
+          <a:bodyPr/>
+          <a:lstStyle/>
+          <a:p>
+            <a:r>
+              <a:rPr lang="en-US" dirty="0" smtClean="0"/>
               <a:t>Why?</a:t>
             </a:r>
-            <a:endParaRPr lang="en-US" b="1" dirty="0"/>
+          </a:p>
+          <a:p>
+            <a:r>
+              <a:rPr lang="en-US" dirty="0" smtClean="0"/>
+              <a:t>How?</a:t>
+            </a:r>
           </a:p>
         </p:txBody>
       </p:sp>
@@ -8864,64 +9227,7 @@
           </a:p>
         </p:txBody>
       </p:sp>
-      <p:pic>
-        <p:nvPicPr>
-          <p:cNvPr id="5" name="Picture 4"/>
-          <p:cNvPicPr>
-            <a:picLocks noChangeAspect="1"/>
-          </p:cNvPicPr>
-          <p:nvPr/>
-        </p:nvPicPr>
-        <p:blipFill>
-          <a:blip r:embed="rId2">
-            <a:extLst>
-              <a:ext uri="{28A0092B-C50C-407E-A947-70E740481C1C}">
-                <a14:useLocalDpi xmlns:a14="http://schemas.microsoft.com/office/drawing/2010/main" val="0"/>
-              </a:ext>
-            </a:extLst>
-          </a:blip>
-          <a:stretch>
-            <a:fillRect/>
-          </a:stretch>
-        </p:blipFill>
-        <p:spPr>
-          <a:xfrm>
-            <a:off x="2190750" y="4198307"/>
-            <a:ext cx="4762500" cy="1714500"/>
-          </a:xfrm>
-          <a:prstGeom prst="rect">
-            <a:avLst/>
-          </a:prstGeom>
-        </p:spPr>
-      </p:pic>
-      <p:graphicFrame>
-        <p:nvGraphicFramePr>
-          <p:cNvPr id="13" name="Chart 12"/>
-          <p:cNvGraphicFramePr/>
-          <p:nvPr>
-            <p:extLst>
-              <p:ext uri="{D42A27DB-BD31-4B8C-83A1-F6EECF244321}">
-                <p14:modId xmlns:p14="http://schemas.microsoft.com/office/powerpoint/2010/main" val="4163543420"/>
-              </p:ext>
-            </p:extLst>
-          </p:nvPr>
-        </p:nvGraphicFramePr>
-        <p:xfrm>
-          <a:off x="1581150" y="1143000"/>
-          <a:ext cx="5981700" cy="3068754"/>
-        </p:xfrm>
-        <a:graphic>
-          <a:graphicData uri="http://schemas.openxmlformats.org/drawingml/2006/chart">
-            <c:chart xmlns:c="http://schemas.openxmlformats.org/drawingml/2006/chart" xmlns:r="http://schemas.openxmlformats.org/officeDocument/2006/relationships" r:id="rId3"/>
-          </a:graphicData>
-        </a:graphic>
-      </p:graphicFrame>
     </p:spTree>
-    <p:extLst>
-      <p:ext uri="{BB962C8B-B14F-4D97-AF65-F5344CB8AC3E}">
-        <p14:creationId xmlns:p14="http://schemas.microsoft.com/office/powerpoint/2010/main" val="4292674482"/>
-      </p:ext>
-    </p:extLst>
   </p:cSld>
   <p:clrMapOvr>
     <a:masterClrMapping/>
@@ -8981,75 +9287,6 @@
       </p:sp>
       <p:sp>
         <p:nvSpPr>
-          <p:cNvPr id="3" name="Content Placeholder 2"/>
-          <p:cNvSpPr>
-            <a:spLocks noGrp="1"/>
-          </p:cNvSpPr>
-          <p:nvPr>
-            <p:ph idx="1"/>
-          </p:nvPr>
-        </p:nvSpPr>
-        <p:spPr>
-          <a:xfrm>
-            <a:off x="381002" y="1417638"/>
-            <a:ext cx="8410575" cy="2677656"/>
-          </a:xfrm>
-        </p:spPr>
-        <p:txBody>
-          <a:bodyPr/>
-          <a:lstStyle/>
-          <a:p>
-            <a:r>
-              <a:rPr lang="en-US" dirty="0" smtClean="0"/>
-              <a:t>Old Assumptions Were Wrong</a:t>
-            </a:r>
-            <a:endParaRPr lang="en-US" dirty="0" smtClean="0"/>
-          </a:p>
-          <a:p>
-            <a:pPr lvl="1"/>
-            <a:r>
-              <a:rPr lang="en-US" dirty="0" smtClean="0"/>
-              <a:t>We designed for ‘</a:t>
-            </a:r>
-            <a:r>
-              <a:rPr lang="en-US" smtClean="0"/>
-              <a:t>typical flow’</a:t>
-            </a:r>
-            <a:endParaRPr lang="en-US" dirty="0" smtClean="0"/>
-          </a:p>
-          <a:p>
-            <a:pPr lvl="1"/>
-            <a:r>
-              <a:rPr lang="en-US" dirty="0" smtClean="0"/>
-              <a:t>Serving </a:t>
-            </a:r>
-            <a:r>
-              <a:rPr lang="en-US" dirty="0" smtClean="0"/>
-              <a:t>too much content from one </a:t>
-            </a:r>
-            <a:r>
-              <a:rPr lang="en-US" dirty="0" smtClean="0"/>
-              <a:t>source</a:t>
-            </a:r>
-          </a:p>
-          <a:p>
-            <a:pPr lvl="1"/>
-            <a:r>
-              <a:rPr lang="en-US" dirty="0" smtClean="0"/>
-              <a:t>Not levering the ‘Internet’</a:t>
-            </a:r>
-            <a:endParaRPr lang="en-US" dirty="0" smtClean="0"/>
-          </a:p>
-          <a:p>
-            <a:pPr marL="0" indent="0">
-              <a:buNone/>
-            </a:pPr>
-            <a:endParaRPr lang="en-US" dirty="0" smtClean="0"/>
-          </a:p>
-        </p:txBody>
-      </p:sp>
-      <p:sp>
-        <p:nvSpPr>
           <p:cNvPr id="4" name="Slide Number Placeholder 3"/>
           <p:cNvSpPr>
             <a:spLocks noGrp="1"/>
@@ -9099,7 +9336,7 @@
         </p:blipFill>
         <p:spPr>
           <a:xfrm>
-            <a:off x="2190750" y="4198307"/>
+            <a:off x="3714750" y="4198307"/>
             <a:ext cx="4762500" cy="1714500"/>
           </a:xfrm>
           <a:prstGeom prst="rect">
@@ -9107,10 +9344,32 @@
           </a:prstGeom>
         </p:spPr>
       </p:pic>
+      <p:graphicFrame>
+        <p:nvGraphicFramePr>
+          <p:cNvPr id="13" name="Chart 12"/>
+          <p:cNvGraphicFramePr/>
+          <p:nvPr>
+            <p:extLst>
+              <p:ext uri="{D42A27DB-BD31-4B8C-83A1-F6EECF244321}">
+                <p14:modId xmlns:p14="http://schemas.microsoft.com/office/powerpoint/2010/main" val="4163543420"/>
+              </p:ext>
+            </p:extLst>
+          </p:nvPr>
+        </p:nvGraphicFramePr>
+        <p:xfrm>
+          <a:off x="3105150" y="1143000"/>
+          <a:ext cx="5981700" cy="3068754"/>
+        </p:xfrm>
+        <a:graphic>
+          <a:graphicData uri="http://schemas.openxmlformats.org/drawingml/2006/chart">
+            <c:chart xmlns:c="http://schemas.openxmlformats.org/drawingml/2006/chart" xmlns:r="http://schemas.openxmlformats.org/officeDocument/2006/relationships" r:id="rId3"/>
+          </a:graphicData>
+        </a:graphic>
+      </p:graphicFrame>
     </p:spTree>
     <p:extLst>
       <p:ext uri="{BB962C8B-B14F-4D97-AF65-F5344CB8AC3E}">
-        <p14:creationId xmlns:p14="http://schemas.microsoft.com/office/powerpoint/2010/main" val="3577627316"/>
+        <p14:creationId xmlns:p14="http://schemas.microsoft.com/office/powerpoint/2010/main" val="4292674482"/>
       </p:ext>
     </p:extLst>
   </p:cSld>
@@ -9172,6 +9431,60 @@
       </p:sp>
       <p:sp>
         <p:nvSpPr>
+          <p:cNvPr id="3" name="Content Placeholder 2"/>
+          <p:cNvSpPr>
+            <a:spLocks noGrp="1"/>
+          </p:cNvSpPr>
+          <p:nvPr>
+            <p:ph idx="1"/>
+          </p:nvPr>
+        </p:nvSpPr>
+        <p:spPr>
+          <a:xfrm>
+            <a:off x="516965" y="1253190"/>
+            <a:ext cx="8410575" cy="2677656"/>
+          </a:xfrm>
+        </p:spPr>
+        <p:txBody>
+          <a:bodyPr/>
+          <a:lstStyle/>
+          <a:p>
+            <a:r>
+              <a:rPr lang="en-US" dirty="0" smtClean="0"/>
+              <a:t>Old Assumptions Were Wrong</a:t>
+            </a:r>
+          </a:p>
+          <a:p>
+            <a:pPr lvl="1"/>
+            <a:r>
+              <a:rPr lang="en-US" dirty="0" smtClean="0"/>
+              <a:t>We designed for ‘typical flow’</a:t>
+            </a:r>
+          </a:p>
+          <a:p>
+            <a:pPr lvl="1"/>
+            <a:r>
+              <a:rPr lang="en-US" dirty="0" smtClean="0"/>
+              <a:t>Serving too much content from one source</a:t>
+            </a:r>
+          </a:p>
+          <a:p>
+            <a:pPr lvl="1"/>
+            <a:r>
+              <a:rPr lang="en-US" dirty="0" smtClean="0"/>
+              <a:t>Not levering the ‘Internet’</a:t>
+            </a:r>
+          </a:p>
+          <a:p>
+            <a:pPr marL="0" indent="0">
+              <a:buNone/>
+            </a:pPr>
+            <a:endParaRPr lang="en-US" dirty="0" smtClean="0"/>
+          </a:p>
+        </p:txBody>
+      </p:sp>
+      <p:sp>
+        <p:nvSpPr>
           <p:cNvPr id="4" name="Slide Number Placeholder 3"/>
           <p:cNvSpPr>
             <a:spLocks noGrp="1"/>
@@ -9221,8 +9534,8 @@
         </p:blipFill>
         <p:spPr>
           <a:xfrm>
-            <a:off x="2667000" y="2000250"/>
-            <a:ext cx="3810000" cy="2857500"/>
+            <a:off x="3714750" y="4198307"/>
+            <a:ext cx="4762500" cy="1714500"/>
           </a:xfrm>
           <a:prstGeom prst="rect">
             <a:avLst/>
@@ -9232,7 +9545,7 @@
     </p:spTree>
     <p:extLst>
       <p:ext uri="{BB962C8B-B14F-4D97-AF65-F5344CB8AC3E}">
-        <p14:creationId xmlns:p14="http://schemas.microsoft.com/office/powerpoint/2010/main" val="3462544143"/>
+        <p14:creationId xmlns:p14="http://schemas.microsoft.com/office/powerpoint/2010/main" val="3577627316"/>
       </p:ext>
     </p:extLst>
   </p:cSld>
@@ -9294,74 +9607,6 @@
       </p:sp>
       <p:sp>
         <p:nvSpPr>
-          <p:cNvPr id="3" name="Content Placeholder 2"/>
-          <p:cNvSpPr>
-            <a:spLocks noGrp="1"/>
-          </p:cNvSpPr>
-          <p:nvPr>
-            <p:ph idx="1"/>
-          </p:nvPr>
-        </p:nvSpPr>
-        <p:spPr>
-          <a:xfrm>
-            <a:off x="381002" y="1417638"/>
-            <a:ext cx="8410575" cy="2677656"/>
-          </a:xfrm>
-        </p:spPr>
-        <p:txBody>
-          <a:bodyPr/>
-          <a:lstStyle/>
-          <a:p>
-            <a:r>
-              <a:rPr lang="en-US" dirty="0" smtClean="0"/>
-              <a:t>Shared Hosting Doesn’t </a:t>
-            </a:r>
-            <a:r>
-              <a:rPr lang="en-US" dirty="0"/>
-              <a:t>(Easily) </a:t>
-            </a:r>
-            <a:r>
-              <a:rPr lang="en-US" dirty="0" smtClean="0"/>
-              <a:t> Scale</a:t>
-            </a:r>
-            <a:endParaRPr lang="en-US" dirty="0" smtClean="0"/>
-          </a:p>
-          <a:p>
-            <a:pPr lvl="1"/>
-            <a:r>
-              <a:rPr lang="en-US" dirty="0" smtClean="0"/>
-              <a:t>503s during the </a:t>
-            </a:r>
-            <a:r>
-              <a:rPr lang="en-US" dirty="0" smtClean="0"/>
-              <a:t>keynote</a:t>
-            </a:r>
-          </a:p>
-          <a:p>
-            <a:pPr lvl="1"/>
-            <a:r>
-              <a:rPr lang="en-US" dirty="0" smtClean="0"/>
-              <a:t>Management of resources was limited</a:t>
-            </a:r>
-          </a:p>
-          <a:p>
-            <a:pPr lvl="1"/>
-            <a:r>
-              <a:rPr lang="en-US" dirty="0" smtClean="0"/>
-              <a:t>Couldn’t divert people to other ‘nodes’</a:t>
-            </a:r>
-            <a:endParaRPr lang="en-US" dirty="0" smtClean="0"/>
-          </a:p>
-          <a:p>
-            <a:pPr marL="0" indent="0">
-              <a:buNone/>
-            </a:pPr>
-            <a:endParaRPr lang="en-US" dirty="0" smtClean="0"/>
-          </a:p>
-        </p:txBody>
-      </p:sp>
-      <p:sp>
-        <p:nvSpPr>
           <p:cNvPr id="4" name="Slide Number Placeholder 3"/>
           <p:cNvSpPr>
             <a:spLocks noGrp="1"/>
@@ -9411,8 +9656,8 @@
         </p:blipFill>
         <p:spPr>
           <a:xfrm>
-            <a:off x="2190750" y="4198307"/>
-            <a:ext cx="4762500" cy="1714500"/>
+            <a:off x="4191000" y="2000250"/>
+            <a:ext cx="3810000" cy="2857500"/>
           </a:xfrm>
           <a:prstGeom prst="rect">
             <a:avLst/>
@@ -9422,7 +9667,7 @@
     </p:spTree>
     <p:extLst>
       <p:ext uri="{BB962C8B-B14F-4D97-AF65-F5344CB8AC3E}">
-        <p14:creationId xmlns:p14="http://schemas.microsoft.com/office/powerpoint/2010/main" val="3361921950"/>
+        <p14:creationId xmlns:p14="http://schemas.microsoft.com/office/powerpoint/2010/main" val="3462544143"/>
       </p:ext>
     </p:extLst>
   </p:cSld>
@@ -9476,9 +9721,71 @@
           <a:p>
             <a:r>
               <a:rPr lang="en-US" b="1" dirty="0" smtClean="0"/>
-              <a:t>How?</a:t>
+              <a:t>Why?</a:t>
             </a:r>
             <a:endParaRPr lang="en-US" b="1" dirty="0"/>
+          </a:p>
+        </p:txBody>
+      </p:sp>
+      <p:sp>
+        <p:nvSpPr>
+          <p:cNvPr id="3" name="Content Placeholder 2"/>
+          <p:cNvSpPr>
+            <a:spLocks noGrp="1"/>
+          </p:cNvSpPr>
+          <p:nvPr>
+            <p:ph idx="1"/>
+          </p:nvPr>
+        </p:nvSpPr>
+        <p:spPr>
+          <a:xfrm>
+            <a:off x="508000" y="1253190"/>
+            <a:ext cx="8410575" cy="2677656"/>
+          </a:xfrm>
+        </p:spPr>
+        <p:txBody>
+          <a:bodyPr/>
+          <a:lstStyle/>
+          <a:p>
+            <a:r>
+              <a:rPr lang="en-US" dirty="0" smtClean="0"/>
+              <a:t>Shared Hosting Doesn’t </a:t>
+            </a:r>
+            <a:r>
+              <a:rPr lang="en-US" dirty="0"/>
+              <a:t>(Easily) </a:t>
+            </a:r>
+            <a:r>
+              <a:rPr lang="en-US" dirty="0" smtClean="0"/>
+              <a:t> Scale</a:t>
+            </a:r>
+          </a:p>
+          <a:p>
+            <a:pPr lvl="1"/>
+            <a:r>
+              <a:rPr lang="en-US" dirty="0" smtClean="0"/>
+              <a:t>503s during the keynote</a:t>
+            </a:r>
+          </a:p>
+          <a:p>
+            <a:pPr lvl="1"/>
+            <a:r>
+              <a:rPr lang="en-US" dirty="0" smtClean="0"/>
+              <a:t>Management of resources was limited</a:t>
+            </a:r>
+          </a:p>
+          <a:p>
+            <a:pPr lvl="1"/>
+            <a:r>
+              <a:rPr lang="en-US" dirty="0" smtClean="0"/>
+              <a:t>Couldn’t divert people to other ‘nodes’</a:t>
+            </a:r>
+          </a:p>
+          <a:p>
+            <a:pPr marL="0" indent="0">
+              <a:buNone/>
+            </a:pPr>
+            <a:endParaRPr lang="en-US" dirty="0" smtClean="0"/>
           </a:p>
         </p:txBody>
       </p:sp>
@@ -9533,8 +9840,8 @@
         </p:blipFill>
         <p:spPr>
           <a:xfrm>
-            <a:off x="2667000" y="1524000"/>
-            <a:ext cx="3810000" cy="3810000"/>
+            <a:off x="3714750" y="4198307"/>
+            <a:ext cx="4762500" cy="1714500"/>
           </a:xfrm>
           <a:prstGeom prst="rect">
             <a:avLst/>
@@ -9544,7 +9851,7 @@
     </p:spTree>
     <p:extLst>
       <p:ext uri="{BB962C8B-B14F-4D97-AF65-F5344CB8AC3E}">
-        <p14:creationId xmlns:p14="http://schemas.microsoft.com/office/powerpoint/2010/main" val="591604961"/>
+        <p14:creationId xmlns:p14="http://schemas.microsoft.com/office/powerpoint/2010/main" val="3361921950"/>
       </p:ext>
     </p:extLst>
   </p:cSld>
@@ -9606,63 +9913,6 @@
       </p:sp>
       <p:sp>
         <p:nvSpPr>
-          <p:cNvPr id="3" name="Content Placeholder 2"/>
-          <p:cNvSpPr>
-            <a:spLocks noGrp="1"/>
-          </p:cNvSpPr>
-          <p:nvPr>
-            <p:ph idx="1"/>
-          </p:nvPr>
-        </p:nvSpPr>
-        <p:spPr>
-          <a:xfrm>
-            <a:off x="381002" y="1417638"/>
-            <a:ext cx="8410575" cy="2160591"/>
-          </a:xfrm>
-        </p:spPr>
-        <p:txBody>
-          <a:bodyPr/>
-          <a:lstStyle/>
-          <a:p>
-            <a:r>
-              <a:rPr lang="en-US" dirty="0"/>
-              <a:t>Robust DNS</a:t>
-            </a:r>
-          </a:p>
-          <a:p>
-            <a:pPr lvl="1"/>
-            <a:r>
-              <a:rPr lang="en-US" dirty="0"/>
-              <a:t>Leveraging how the web </a:t>
-            </a:r>
-            <a:r>
-              <a:rPr lang="en-US" dirty="0" smtClean="0"/>
-              <a:t>works</a:t>
-            </a:r>
-          </a:p>
-          <a:p>
-            <a:r>
-              <a:rPr lang="en-US" dirty="0" smtClean="0"/>
-              <a:t>Content </a:t>
-            </a:r>
-            <a:r>
-              <a:rPr lang="en-US" dirty="0"/>
-              <a:t>Delivery Network (CDN)</a:t>
-            </a:r>
-            <a:endParaRPr lang="en-US" dirty="0" smtClean="0"/>
-          </a:p>
-          <a:p>
-            <a:pPr lvl="1"/>
-            <a:r>
-              <a:rPr lang="en-US" i="1" dirty="0" smtClean="0"/>
-              <a:t>Bring Mount Fuji ‘closer’…</a:t>
-            </a:r>
-            <a:endParaRPr lang="en-US" i="1" dirty="0"/>
-          </a:p>
-        </p:txBody>
-      </p:sp>
-      <p:sp>
-        <p:nvSpPr>
           <p:cNvPr id="4" name="Slide Number Placeholder 3"/>
           <p:cNvSpPr>
             <a:spLocks noGrp="1"/>
@@ -9690,10 +9940,40 @@
           </a:p>
         </p:txBody>
       </p:sp>
+      <p:pic>
+        <p:nvPicPr>
+          <p:cNvPr id="5" name="Picture 4"/>
+          <p:cNvPicPr>
+            <a:picLocks noChangeAspect="1"/>
+          </p:cNvPicPr>
+          <p:nvPr/>
+        </p:nvPicPr>
+        <p:blipFill>
+          <a:blip r:embed="rId2">
+            <a:extLst>
+              <a:ext uri="{28A0092B-C50C-407E-A947-70E740481C1C}">
+                <a14:useLocalDpi xmlns:a14="http://schemas.microsoft.com/office/drawing/2010/main" val="0"/>
+              </a:ext>
+            </a:extLst>
+          </a:blip>
+          <a:stretch>
+            <a:fillRect/>
+          </a:stretch>
+        </p:blipFill>
+        <p:spPr>
+          <a:xfrm>
+            <a:off x="4191000" y="1524000"/>
+            <a:ext cx="3810000" cy="3810000"/>
+          </a:xfrm>
+          <a:prstGeom prst="rect">
+            <a:avLst/>
+          </a:prstGeom>
+        </p:spPr>
+      </p:pic>
     </p:spTree>
     <p:extLst>
       <p:ext uri="{BB962C8B-B14F-4D97-AF65-F5344CB8AC3E}">
-        <p14:creationId xmlns:p14="http://schemas.microsoft.com/office/powerpoint/2010/main" val="2173311837"/>
+        <p14:creationId xmlns:p14="http://schemas.microsoft.com/office/powerpoint/2010/main" val="591604961"/>
       </p:ext>
     </p:extLst>
   </p:cSld>
